--- a/selene/docs/Aditional documentation/Modelo de negocios selene.pptx
+++ b/selene/docs/Aditional documentation/Modelo de negocios selene.pptx
@@ -3610,7 +3610,7 @@
         </p:spPr>
         <p:txBody>
           <a:bodyPr>
-            <a:normAutofit fontScale="85000" lnSpcReduction="10000"/>
+            <a:normAutofit fontScale="70000" lnSpcReduction="20000"/>
           </a:bodyPr>
           <a:lstStyle/>
           <a:p>
@@ -3711,6 +3711,39 @@
               <a:rPr lang="es-MX" sz="2400" dirty="0"/>
               <a:t>Deficiencia, neceistas un experto que opere el dron y que interprete correctamente los resultados. </a:t>
             </a:r>
+          </a:p>
+          <a:p>
+            <a:pPr marL="0" indent="0">
+              <a:buNone/>
+            </a:pPr>
+            <a:endParaRPr lang="es-MX" sz="2400" dirty="0"/>
+          </a:p>
+          <a:p>
+            <a:pPr marL="0" indent="0">
+              <a:buNone/>
+            </a:pPr>
+            <a:r>
+              <a:rPr lang="es-MX" sz="2400" b="1" dirty="0"/>
+              <a:t>Sentera: </a:t>
+            </a:r>
+          </a:p>
+          <a:p>
+            <a:pPr marL="0" indent="0">
+              <a:buNone/>
+            </a:pPr>
+            <a:r>
+              <a:rPr lang="es-MX" sz="2400" dirty="0">
+                <a:hlinkClick r:id="rId4"/>
+              </a:rPr>
+              <a:t>https://sentera.com/</a:t>
+            </a:r>
+            <a:endParaRPr lang="es-MX" sz="2400" dirty="0"/>
+          </a:p>
+          <a:p>
+            <a:pPr marL="0" indent="0">
+              <a:buNone/>
+            </a:pPr>
+            <a:endParaRPr lang="es-MX" sz="2400" dirty="0"/>
           </a:p>
         </p:txBody>
       </p:sp>
@@ -3795,6 +3828,12 @@
           <a:p>
             <a:r>
               <a:rPr lang="es-MX" dirty="0"/>
+              <a:t>Cuestionarios, antes de seguir avanzado: Te gustaría tener acesso a imágenes satelitales ? , elaborar otras preguntas que esten relacionadas. </a:t>
+            </a:r>
+          </a:p>
+          <a:p>
+            <a:r>
+              <a:rPr lang="es-MX" dirty="0"/>
               <a:t>Lista de espera, o lista de interesados antes del desarrollo </a:t>
             </a:r>
           </a:p>
@@ -4134,15 +4173,66 @@
           <a:lstStyle/>
           <a:p>
             <a:r>
-              <a:rPr lang="es-MX">
+              <a:rPr lang="es-MX" dirty="0">
                 <a:hlinkClick r:id="rId2"/>
               </a:rPr>
               <a:t>https://www.sciencedirect.com/science/article/pii/S2666017224000026</a:t>
             </a:r>
-            <a:endParaRPr lang="es-MX"/>
-          </a:p>
-          <a:p>
-            <a:endParaRPr lang="es-MX"/>
+            <a:endParaRPr lang="es-MX" dirty="0"/>
+          </a:p>
+          <a:p>
+            <a:endParaRPr lang="es-MX" dirty="0"/>
+          </a:p>
+          <a:p>
+            <a:r>
+              <a:rPr lang="es-MX" dirty="0"/>
+              <a:t>NVDI </a:t>
+            </a:r>
+          </a:p>
+          <a:p>
+            <a:pPr marL="0" indent="0">
+              <a:buNone/>
+            </a:pPr>
+            <a:r>
+              <a:rPr lang="es-MX" dirty="0">
+                <a:hlinkClick r:id="rId3"/>
+              </a:rPr>
+              <a:t>https://www.youtube.com/watch?v=pBsSjtXAKnU</a:t>
+            </a:r>
+            <a:endParaRPr lang="es-MX" dirty="0"/>
+          </a:p>
+          <a:p>
+            <a:pPr marL="0" indent="0">
+              <a:buNone/>
+            </a:pPr>
+            <a:endParaRPr lang="es-MX" dirty="0"/>
+          </a:p>
+          <a:p>
+            <a:pPr marL="0" indent="0">
+              <a:buNone/>
+            </a:pPr>
+            <a:r>
+              <a:rPr lang="es-MX" dirty="0"/>
+              <a:t>Medicion de metricas a lo largo del año, cambia </a:t>
+            </a:r>
+          </a:p>
+          <a:p>
+            <a:pPr marL="0" indent="0">
+              <a:buNone/>
+            </a:pPr>
+            <a:r>
+              <a:rPr lang="es-MX" dirty="0">
+                <a:hlinkClick r:id="rId4"/>
+              </a:rPr>
+              <a:t>https://www.youtube.com/watch?v=rP2nnKWFRR0</a:t>
+            </a:r>
+            <a:endParaRPr lang="es-MX" dirty="0"/>
+          </a:p>
+          <a:p>
+            <a:pPr marL="0" indent="0">
+              <a:buNone/>
+            </a:pPr>
+            <a:endParaRPr lang="es-MX" dirty="0"/>
           </a:p>
         </p:txBody>
       </p:sp>

--- a/selene/docs/Aditional documentation/Modelo de negocios selene.pptx
+++ b/selene/docs/Aditional documentation/Modelo de negocios selene.pptx
@@ -5,7 +5,7 @@
     <p:sldMasterId id="2147483648" r:id="rId1"/>
   </p:sldMasterIdLst>
   <p:notesMasterIdLst>
-    <p:notesMasterId r:id="rId16"/>
+    <p:notesMasterId r:id="rId17"/>
   </p:notesMasterIdLst>
   <p:sldIdLst>
     <p:sldId id="256" r:id="rId2"/>
@@ -22,21 +22,22 @@
     <p:sldId id="267" r:id="rId13"/>
     <p:sldId id="268" r:id="rId14"/>
     <p:sldId id="269" r:id="rId15"/>
+    <p:sldId id="270" r:id="rId16"/>
   </p:sldIdLst>
   <p:sldSz cx="12192000" cy="6858000"/>
   <p:notesSz cx="6858000" cy="9144000"/>
   <p:embeddedFontLst>
     <p:embeddedFont>
       <p:font typeface="Montserrat" pitchFamily="2" charset="77"/>
-      <p:regular r:id="rId17"/>
-      <p:bold r:id="rId18"/>
-      <p:italic r:id="rId19"/>
-      <p:boldItalic r:id="rId20"/>
+      <p:regular r:id="rId18"/>
+      <p:bold r:id="rId19"/>
+      <p:italic r:id="rId20"/>
+      <p:boldItalic r:id="rId21"/>
     </p:embeddedFont>
     <p:embeddedFont>
       <p:font typeface="Play" pitchFamily="2" charset="0"/>
-      <p:regular r:id="rId21"/>
-      <p:bold r:id="rId22"/>
+      <p:regular r:id="rId22"/>
+      <p:bold r:id="rId23"/>
     </p:embeddedFont>
   </p:embeddedFontLst>
   <p:defaultTextStyle>
@@ -269,8 +270,11 @@
     </a:lvl9pPr>
   </p:defaultTextStyle>
   <p:extLst>
+    <p:ext uri="{EFAFB233-063F-42B5-8137-9DF3F51BA10A}">
+      <p15:sldGuideLst xmlns:p15="http://schemas.microsoft.com/office/powerpoint/2012/main"/>
+    </p:ext>
     <p:ext uri="GoogleSlidesCustomDataVersion2">
-      <go:slidesCustomData xmlns:go="http://customooxmlschemas.google.com/" xmlns:ahyp="http://schemas.microsoft.com/office/drawing/2018/hyperlinkcolor" xmlns:p15="http://schemas.microsoft.com/office/powerpoint/2012/main" xmlns:p14="http://schemas.microsoft.com/office/powerpoint/2010/main" xmlns:com="http://schemas.openxmlformats.org/drawingml/2006/compatibility" xmlns:pvml="urn:schemas-microsoft-com:office:powerpoint" xmlns:v="urn:schemas-microsoft-com:vml" xmlns:o="urn:schemas-microsoft-com:office:office" xmlns:dgm="http://schemas.openxmlformats.org/drawingml/2006/diagram" xmlns:c="http://schemas.openxmlformats.org/drawingml/2006/chart" xmlns:mv="urn:schemas-microsoft-com:mac:vml" xmlns:mc="http://schemas.openxmlformats.org/markup-compatibility/2006" xmlns="" r:id="rId25" roundtripDataSignature="AMtx7miFj2Rkjzjgco8Tyy3PkwfxOWb/Cg=="/>
+      <go:slidesCustomData xmlns="" xmlns:mc="http://schemas.openxmlformats.org/markup-compatibility/2006" xmlns:mv="urn:schemas-microsoft-com:mac:vml" xmlns:c="http://schemas.openxmlformats.org/drawingml/2006/chart" xmlns:dgm="http://schemas.openxmlformats.org/drawingml/2006/diagram" xmlns:o="urn:schemas-microsoft-com:office:office" xmlns:v="urn:schemas-microsoft-com:vml" xmlns:pvml="urn:schemas-microsoft-com:office:powerpoint" xmlns:com="http://schemas.openxmlformats.org/drawingml/2006/compatibility" xmlns:p14="http://schemas.microsoft.com/office/powerpoint/2010/main" xmlns:p15="http://schemas.microsoft.com/office/powerpoint/2012/main" xmlns:ahyp="http://schemas.microsoft.com/office/drawing/2018/hyperlinkcolor" xmlns:go="http://customooxmlschemas.google.com/" r:id="rId25" roundtripDataSignature="AMtx7miFj2Rkjzjgco8Tyy3PkwfxOWb/Cg=="/>
     </p:ext>
   </p:extLst>
 </p:presentation>
@@ -13991,6 +13995,89 @@
 </p:sld>
 </file>
 
+<file path=ppt/slides/slide15.xml><?xml version="1.0" encoding="utf-8"?>
+<p:sld xmlns:a="http://schemas.openxmlformats.org/drawingml/2006/main" xmlns:r="http://schemas.openxmlformats.org/officeDocument/2006/relationships" xmlns:p="http://schemas.openxmlformats.org/presentationml/2006/main">
+  <p:cSld>
+    <p:spTree>
+      <p:nvGrpSpPr>
+        <p:cNvPr id="1" name=""/>
+        <p:cNvGrpSpPr/>
+        <p:nvPr/>
+      </p:nvGrpSpPr>
+      <p:grpSpPr>
+        <a:xfrm>
+          <a:off x="0" y="0"/>
+          <a:ext cx="0" cy="0"/>
+          <a:chOff x="0" y="0"/>
+          <a:chExt cx="0" cy="0"/>
+        </a:xfrm>
+      </p:grpSpPr>
+      <p:sp>
+        <p:nvSpPr>
+          <p:cNvPr id="2" name="Título 1">
+            <a:extLst>
+              <a:ext uri="{FF2B5EF4-FFF2-40B4-BE49-F238E27FC236}">
+                <a16:creationId xmlns:a16="http://schemas.microsoft.com/office/drawing/2014/main" id="{BAEEF981-3109-0397-DDEF-BF11C9984B05}"/>
+              </a:ext>
+            </a:extLst>
+          </p:cNvPr>
+          <p:cNvSpPr>
+            <a:spLocks noGrp="1"/>
+          </p:cNvSpPr>
+          <p:nvPr>
+            <p:ph type="title"/>
+          </p:nvPr>
+        </p:nvSpPr>
+        <p:spPr/>
+        <p:txBody>
+          <a:bodyPr/>
+          <a:lstStyle/>
+          <a:p>
+            <a:r>
+              <a:rPr lang="es-MX" dirty="0"/>
+              <a:t>https://www.meteomatics.com/en/weather-api/#about</a:t>
+            </a:r>
+          </a:p>
+        </p:txBody>
+      </p:sp>
+      <p:sp>
+        <p:nvSpPr>
+          <p:cNvPr id="3" name="Marcador de texto 2">
+            <a:extLst>
+              <a:ext uri="{FF2B5EF4-FFF2-40B4-BE49-F238E27FC236}">
+                <a16:creationId xmlns:a16="http://schemas.microsoft.com/office/drawing/2014/main" id="{001CD6F3-D3F7-FED3-4E0F-82BA2F6748A6}"/>
+              </a:ext>
+            </a:extLst>
+          </p:cNvPr>
+          <p:cNvSpPr>
+            <a:spLocks noGrp="1"/>
+          </p:cNvSpPr>
+          <p:nvPr>
+            <p:ph type="body" idx="1"/>
+          </p:nvPr>
+        </p:nvSpPr>
+        <p:spPr/>
+        <p:txBody>
+          <a:bodyPr/>
+          <a:lstStyle/>
+          <a:p>
+            <a:endParaRPr lang="es-MX"/>
+          </a:p>
+        </p:txBody>
+      </p:sp>
+    </p:spTree>
+    <p:extLst>
+      <p:ext uri="{BB962C8B-B14F-4D97-AF65-F5344CB8AC3E}">
+        <p14:creationId xmlns:p14="http://schemas.microsoft.com/office/powerpoint/2010/main" val="1943425876"/>
+      </p:ext>
+    </p:extLst>
+  </p:cSld>
+  <p:clrMapOvr>
+    <a:masterClrMapping/>
+  </p:clrMapOvr>
+</p:sld>
+</file>
+
 <file path=ppt/slides/slide2.xml><?xml version="1.0" encoding="utf-8"?>
 <p:sld xmlns:a="http://schemas.openxmlformats.org/drawingml/2006/main" xmlns:r="http://schemas.openxmlformats.org/officeDocument/2006/relationships" xmlns:p="http://schemas.openxmlformats.org/presentationml/2006/main">
   <p:cSld>

--- a/selene/docs/Aditional documentation/Modelo de negocios selene.pptx
+++ b/selene/docs/Aditional documentation/Modelo de negocios selene.pptx
@@ -5,7 +5,7 @@
     <p:sldMasterId id="2147483648" r:id="rId1"/>
   </p:sldMasterIdLst>
   <p:notesMasterIdLst>
-    <p:notesMasterId r:id="rId17"/>
+    <p:notesMasterId r:id="rId19"/>
   </p:notesMasterIdLst>
   <p:sldIdLst>
     <p:sldId id="256" r:id="rId2"/>
@@ -22,22 +22,24 @@
     <p:sldId id="267" r:id="rId13"/>
     <p:sldId id="268" r:id="rId14"/>
     <p:sldId id="269" r:id="rId15"/>
-    <p:sldId id="270" r:id="rId16"/>
+    <p:sldId id="273" r:id="rId16"/>
+    <p:sldId id="271" r:id="rId17"/>
+    <p:sldId id="270" r:id="rId18"/>
   </p:sldIdLst>
   <p:sldSz cx="12192000" cy="6858000"/>
   <p:notesSz cx="6858000" cy="9144000"/>
   <p:embeddedFontLst>
     <p:embeddedFont>
       <p:font typeface="Montserrat" pitchFamily="2" charset="77"/>
-      <p:regular r:id="rId18"/>
-      <p:bold r:id="rId19"/>
-      <p:italic r:id="rId20"/>
-      <p:boldItalic r:id="rId21"/>
+      <p:regular r:id="rId20"/>
+      <p:bold r:id="rId21"/>
+      <p:italic r:id="rId22"/>
+      <p:boldItalic r:id="rId23"/>
     </p:embeddedFont>
     <p:embeddedFont>
       <p:font typeface="Play" pitchFamily="2" charset="0"/>
-      <p:regular r:id="rId22"/>
-      <p:bold r:id="rId23"/>
+      <p:regular r:id="rId24"/>
+      <p:bold r:id="rId25"/>
     </p:embeddedFont>
   </p:embeddedFontLst>
   <p:defaultTextStyle>
@@ -274,7 +276,7 @@
       <p15:sldGuideLst xmlns:p15="http://schemas.microsoft.com/office/powerpoint/2012/main"/>
     </p:ext>
     <p:ext uri="GoogleSlidesCustomDataVersion2">
-      <go:slidesCustomData xmlns="" xmlns:mc="http://schemas.openxmlformats.org/markup-compatibility/2006" xmlns:mv="urn:schemas-microsoft-com:mac:vml" xmlns:c="http://schemas.openxmlformats.org/drawingml/2006/chart" xmlns:dgm="http://schemas.openxmlformats.org/drawingml/2006/diagram" xmlns:o="urn:schemas-microsoft-com:office:office" xmlns:v="urn:schemas-microsoft-com:vml" xmlns:pvml="urn:schemas-microsoft-com:office:powerpoint" xmlns:com="http://schemas.openxmlformats.org/drawingml/2006/compatibility" xmlns:p14="http://schemas.microsoft.com/office/powerpoint/2010/main" xmlns:p15="http://schemas.microsoft.com/office/powerpoint/2012/main" xmlns:ahyp="http://schemas.microsoft.com/office/drawing/2018/hyperlinkcolor" xmlns:go="http://customooxmlschemas.google.com/" r:id="rId25" roundtripDataSignature="AMtx7miFj2Rkjzjgco8Tyy3PkwfxOWb/Cg=="/>
+      <go:slidesCustomData xmlns:go="http://customooxmlschemas.google.com/" xmlns:ahyp="http://schemas.microsoft.com/office/drawing/2018/hyperlinkcolor" xmlns:p15="http://schemas.microsoft.com/office/powerpoint/2012/main" xmlns:p14="http://schemas.microsoft.com/office/powerpoint/2010/main" xmlns:com="http://schemas.openxmlformats.org/drawingml/2006/compatibility" xmlns:pvml="urn:schemas-microsoft-com:office:powerpoint" xmlns:v="urn:schemas-microsoft-com:vml" xmlns:o="urn:schemas-microsoft-com:office:office" xmlns:dgm="http://schemas.openxmlformats.org/drawingml/2006/diagram" xmlns:c="http://schemas.openxmlformats.org/drawingml/2006/chart" xmlns:mv="urn:schemas-microsoft-com:mac:vml" xmlns:mc="http://schemas.openxmlformats.org/markup-compatibility/2006" xmlns="" r:id="rId26" roundtripDataSignature="AMtx7miFj2Rkjzjgco8Tyy3PkwfxOWb/Cg=="/>
     </p:ext>
   </p:extLst>
 </p:presentation>
@@ -1204,8 +1206,8 @@
         </p:nvSpPr>
         <p:spPr>
           <a:xfrm>
-            <a:off x="1143225" y="685800"/>
-            <a:ext cx="4572225" cy="3429000"/>
+            <a:off x="381000" y="685800"/>
+            <a:ext cx="6096000" cy="3429000"/>
           </a:xfrm>
           <a:custGeom>
             <a:avLst/>
@@ -1338,6 +1340,133 @@
         </p:txBody>
       </p:sp>
     </p:spTree>
+  </p:cSld>
+  <p:clrMapOvr>
+    <a:masterClrMapping/>
+  </p:clrMapOvr>
+</p:notes>
+</file>
+
+<file path=ppt/notesSlides/notesSlide15.xml><?xml version="1.0" encoding="utf-8"?>
+<p:notes xmlns:a="http://schemas.openxmlformats.org/drawingml/2006/main" xmlns:r="http://schemas.openxmlformats.org/officeDocument/2006/relationships" xmlns:p="http://schemas.openxmlformats.org/presentationml/2006/main" showMasterSp="0" showMasterPhAnim="0">
+  <p:cSld>
+    <p:spTree>
+      <p:nvGrpSpPr>
+        <p:cNvPr id="1" name="Shape 172">
+          <a:extLst>
+            <a:ext uri="{FF2B5EF4-FFF2-40B4-BE49-F238E27FC236}">
+              <a16:creationId xmlns:a16="http://schemas.microsoft.com/office/drawing/2014/main" id="{BE5379B2-958B-500F-1B63-95FC6E29662B}"/>
+            </a:ext>
+          </a:extLst>
+        </p:cNvPr>
+        <p:cNvGrpSpPr/>
+        <p:nvPr/>
+      </p:nvGrpSpPr>
+      <p:grpSpPr>
+        <a:xfrm>
+          <a:off x="0" y="0"/>
+          <a:ext cx="0" cy="0"/>
+          <a:chOff x="0" y="0"/>
+          <a:chExt cx="0" cy="0"/>
+        </a:xfrm>
+      </p:grpSpPr>
+      <p:sp>
+        <p:nvSpPr>
+          <p:cNvPr id="173" name="Google Shape;173;g320a66a9b0a_0_38:notes">
+            <a:extLst>
+              <a:ext uri="{FF2B5EF4-FFF2-40B4-BE49-F238E27FC236}">
+                <a16:creationId xmlns:a16="http://schemas.microsoft.com/office/drawing/2014/main" id="{D2AD463D-1B29-150F-52BD-DDAA377A0F85}"/>
+              </a:ext>
+            </a:extLst>
+          </p:cNvPr>
+          <p:cNvSpPr>
+            <a:spLocks noGrp="1" noRot="1" noChangeAspect="1"/>
+          </p:cNvSpPr>
+          <p:nvPr>
+            <p:ph type="sldImg" idx="2"/>
+          </p:nvPr>
+        </p:nvSpPr>
+        <p:spPr>
+          <a:xfrm>
+            <a:off x="381000" y="685800"/>
+            <a:ext cx="6096000" cy="3429000"/>
+          </a:xfrm>
+          <a:custGeom>
+            <a:avLst/>
+            <a:gdLst/>
+            <a:ahLst/>
+            <a:cxnLst/>
+            <a:rect l="l" t="t" r="r" b="b"/>
+            <a:pathLst>
+              <a:path w="120000" h="120000" extrusionOk="0">
+                <a:moveTo>
+                  <a:pt x="0" y="0"/>
+                </a:moveTo>
+                <a:lnTo>
+                  <a:pt x="120000" y="0"/>
+                </a:lnTo>
+                <a:lnTo>
+                  <a:pt x="120000" y="120000"/>
+                </a:lnTo>
+                <a:lnTo>
+                  <a:pt x="0" y="120000"/>
+                </a:lnTo>
+                <a:close/>
+              </a:path>
+            </a:pathLst>
+          </a:custGeom>
+        </p:spPr>
+      </p:sp>
+      <p:sp>
+        <p:nvSpPr>
+          <p:cNvPr id="174" name="Google Shape;174;g320a66a9b0a_0_38:notes">
+            <a:extLst>
+              <a:ext uri="{FF2B5EF4-FFF2-40B4-BE49-F238E27FC236}">
+                <a16:creationId xmlns:a16="http://schemas.microsoft.com/office/drawing/2014/main" id="{B31F2299-7F47-CCDE-E1F8-37FA3DD03C58}"/>
+              </a:ext>
+            </a:extLst>
+          </p:cNvPr>
+          <p:cNvSpPr txBox="1">
+            <a:spLocks noGrp="1"/>
+          </p:cNvSpPr>
+          <p:nvPr>
+            <p:ph type="body" idx="1"/>
+          </p:nvPr>
+        </p:nvSpPr>
+        <p:spPr>
+          <a:xfrm>
+            <a:off x="685800" y="4343400"/>
+            <a:ext cx="5486400" cy="4114800"/>
+          </a:xfrm>
+          <a:prstGeom prst="rect">
+            <a:avLst/>
+          </a:prstGeom>
+        </p:spPr>
+        <p:txBody>
+          <a:bodyPr spcFirstLastPara="1" wrap="square" lIns="91425" tIns="91425" rIns="91425" bIns="91425" anchor="t" anchorCtr="0">
+            <a:noAutofit/>
+          </a:bodyPr>
+          <a:lstStyle/>
+          <a:p>
+            <a:pPr marL="0" lvl="0" indent="0" algn="l" rtl="0">
+              <a:spcBef>
+                <a:spcPts val="0"/>
+              </a:spcBef>
+              <a:spcAft>
+                <a:spcPts val="0"/>
+              </a:spcAft>
+              <a:buNone/>
+            </a:pPr>
+            <a:endParaRPr/>
+          </a:p>
+        </p:txBody>
+      </p:sp>
+    </p:spTree>
+    <p:extLst>
+      <p:ext uri="{BB962C8B-B14F-4D97-AF65-F5344CB8AC3E}">
+        <p14:creationId xmlns:p14="http://schemas.microsoft.com/office/powerpoint/2010/main" val="2258716282"/>
+      </p:ext>
+    </p:extLst>
   </p:cSld>
   <p:clrMapOvr>
     <a:masterClrMapping/>
@@ -12645,10 +12774,10 @@
               <a:buNone/>
             </a:pPr>
             <a:r>
-              <a:rPr lang="es-MX"/>
+              <a:rPr lang="es-MX" dirty="0"/>
               <a:t>Validación</a:t>
             </a:r>
-            <a:endParaRPr/>
+            <a:endParaRPr dirty="0"/>
           </a:p>
         </p:txBody>
       </p:sp>
@@ -12817,10 +12946,10 @@
               <a:buNone/>
             </a:pPr>
             <a:r>
-              <a:rPr lang="es-MX"/>
+              <a:rPr lang="es-MX" dirty="0"/>
               <a:t>Segmento de mercado</a:t>
             </a:r>
-            <a:endParaRPr/>
+            <a:endParaRPr dirty="0"/>
           </a:p>
         </p:txBody>
       </p:sp>
@@ -13102,10 +13231,10 @@
               <a:buNone/>
             </a:pPr>
             <a:r>
-              <a:rPr lang="es-MX"/>
+              <a:rPr lang="es-MX" dirty="0"/>
               <a:t>Entrevistas </a:t>
             </a:r>
-            <a:endParaRPr/>
+            <a:endParaRPr dirty="0"/>
           </a:p>
         </p:txBody>
       </p:sp>
@@ -13155,10 +13284,10 @@
               <a:buChar char="•"/>
             </a:pPr>
             <a:r>
-              <a:rPr lang="es-MX"/>
+              <a:rPr lang="es-MX" dirty="0"/>
               <a:t>Evaluación de la salud del cultivo, le interesa a los agricultores?: </a:t>
             </a:r>
-            <a:endParaRPr/>
+            <a:endParaRPr dirty="0"/>
           </a:p>
           <a:p>
             <a:pPr marL="685800" lvl="1" indent="-228600" algn="l" rtl="0">
@@ -13178,10 +13307,10 @@
               <a:buChar char="•"/>
             </a:pPr>
             <a:r>
-              <a:rPr lang="es-MX"/>
+              <a:rPr lang="es-MX" dirty="0"/>
               <a:t>Falta de agua </a:t>
             </a:r>
-            <a:endParaRPr/>
+            <a:endParaRPr dirty="0"/>
           </a:p>
           <a:p>
             <a:pPr marL="685800" lvl="1" indent="-228600" algn="l" rtl="0">
@@ -13201,10 +13330,10 @@
               <a:buChar char="•"/>
             </a:pPr>
             <a:r>
-              <a:rPr lang="es-MX"/>
+              <a:rPr lang="es-MX" dirty="0"/>
               <a:t>Deficiencia en nutrientes </a:t>
             </a:r>
-            <a:endParaRPr/>
+            <a:endParaRPr dirty="0"/>
           </a:p>
           <a:p>
             <a:pPr marL="685800" lvl="1" indent="-228600" algn="l" rtl="0">
@@ -13224,10 +13353,10 @@
               <a:buChar char="•"/>
             </a:pPr>
             <a:r>
-              <a:rPr lang="es-MX"/>
+              <a:rPr lang="es-MX" dirty="0"/>
               <a:t>Plagas </a:t>
             </a:r>
-            <a:endParaRPr/>
+            <a:endParaRPr dirty="0"/>
           </a:p>
           <a:p>
             <a:pPr marL="685800" lvl="1" indent="-76200" algn="l" rtl="0">
@@ -13246,7 +13375,7 @@
               <a:buSzPts val="2400"/>
               <a:buNone/>
             </a:pPr>
-            <a:endParaRPr/>
+            <a:endParaRPr dirty="0"/>
           </a:p>
           <a:p>
             <a:pPr marL="457200" lvl="1" indent="0" algn="l" rtl="0">
@@ -13266,10 +13395,10 @@
               <a:buNone/>
             </a:pPr>
             <a:r>
-              <a:rPr lang="es-MX"/>
+              <a:rPr lang="es-MX" dirty="0"/>
               <a:t>¿ Conoces tecnologias similares? </a:t>
             </a:r>
-            <a:endParaRPr/>
+            <a:endParaRPr dirty="0"/>
           </a:p>
           <a:p>
             <a:pPr marL="457200" lvl="1" indent="0" algn="l" rtl="0">
@@ -13288,7 +13417,7 @@
               <a:buSzPts val="2400"/>
               <a:buNone/>
             </a:pPr>
-            <a:endParaRPr/>
+            <a:endParaRPr dirty="0"/>
           </a:p>
           <a:p>
             <a:pPr marL="457200" lvl="1" indent="0" algn="l" rtl="0">
@@ -13307,7 +13436,7 @@
               <a:buSzPts val="2400"/>
               <a:buNone/>
             </a:pPr>
-            <a:endParaRPr/>
+            <a:endParaRPr dirty="0"/>
           </a:p>
         </p:txBody>
       </p:sp>
@@ -13383,10 +13512,10 @@
               <a:buNone/>
             </a:pPr>
             <a:r>
-              <a:rPr lang="es-MX"/>
+              <a:rPr lang="es-MX" dirty="0"/>
               <a:t>Referencias arituclos </a:t>
             </a:r>
-            <a:endParaRPr/>
+            <a:endParaRPr dirty="0"/>
           </a:p>
         </p:txBody>
       </p:sp>
@@ -13436,7 +13565,7 @@
               <a:buChar char="•"/>
             </a:pPr>
             <a:r>
-              <a:rPr lang="es-MX" u="sng">
+              <a:rPr lang="es-MX" u="sng" dirty="0">
                 <a:solidFill>
                   <a:schemeClr val="hlink"/>
                 </a:solidFill>
@@ -13444,7 +13573,7 @@
               </a:rPr>
               <a:t>https://www.sciencedirect.com/science/article/pii/S2666017224000026</a:t>
             </a:r>
-            <a:endParaRPr/>
+            <a:endParaRPr lang="es-MX" dirty="0"/>
           </a:p>
           <a:p>
             <a:pPr marL="228600" lvl="0" indent="-50800" algn="l" rtl="0">
@@ -13463,7 +13592,7 @@
               <a:buSzPts val="2800"/>
               <a:buNone/>
             </a:pPr>
-            <a:endParaRPr/>
+            <a:endParaRPr dirty="0"/>
           </a:p>
           <a:p>
             <a:pPr marL="228600" lvl="0" indent="-228600" algn="l" rtl="0">
@@ -13483,10 +13612,10 @@
               <a:buChar char="•"/>
             </a:pPr>
             <a:r>
-              <a:rPr lang="es-MX"/>
+              <a:rPr lang="es-MX" dirty="0"/>
               <a:t>NVDI </a:t>
             </a:r>
-            <a:endParaRPr/>
+            <a:endParaRPr dirty="0"/>
           </a:p>
           <a:p>
             <a:pPr marL="0" lvl="0" indent="0" algn="l" rtl="0">
@@ -13506,7 +13635,7 @@
               <a:buNone/>
             </a:pPr>
             <a:r>
-              <a:rPr lang="es-MX" u="sng">
+              <a:rPr lang="es-MX" u="sng" dirty="0">
                 <a:solidFill>
                   <a:schemeClr val="hlink"/>
                 </a:solidFill>
@@ -13514,7 +13643,7 @@
               </a:rPr>
               <a:t>https://www.youtube.com/watch?v=pBsSjtXAKnU</a:t>
             </a:r>
-            <a:endParaRPr/>
+            <a:endParaRPr dirty="0"/>
           </a:p>
           <a:p>
             <a:pPr marL="0" lvl="0" indent="0" algn="l" rtl="0">
@@ -13533,7 +13662,7 @@
               <a:buSzPts val="2800"/>
               <a:buNone/>
             </a:pPr>
-            <a:endParaRPr/>
+            <a:endParaRPr dirty="0"/>
           </a:p>
           <a:p>
             <a:pPr marL="0" lvl="0" indent="0" algn="l" rtl="0">
@@ -13553,10 +13682,10 @@
               <a:buNone/>
             </a:pPr>
             <a:r>
-              <a:rPr lang="es-MX"/>
+              <a:rPr lang="es-MX" dirty="0"/>
               <a:t>Medicion de metricas a lo largo del año, cambia </a:t>
             </a:r>
-            <a:endParaRPr/>
+            <a:endParaRPr dirty="0"/>
           </a:p>
           <a:p>
             <a:pPr marL="0" lvl="0" indent="0" algn="l" rtl="0">
@@ -13576,7 +13705,7 @@
               <a:buNone/>
             </a:pPr>
             <a:r>
-              <a:rPr lang="es-MX" u="sng">
+              <a:rPr lang="es-MX" u="sng" dirty="0">
                 <a:solidFill>
                   <a:schemeClr val="hlink"/>
                 </a:solidFill>
@@ -13584,7 +13713,7 @@
               </a:rPr>
               <a:t>https://www.youtube.com/watch?v=rP2nnKWFRR0</a:t>
             </a:r>
-            <a:endParaRPr/>
+            <a:endParaRPr dirty="0"/>
           </a:p>
           <a:p>
             <a:pPr marL="0" lvl="0" indent="0" algn="l" rtl="0">
@@ -13603,7 +13732,7 @@
               <a:buSzPts val="2800"/>
               <a:buNone/>
             </a:pPr>
-            <a:endParaRPr/>
+            <a:endParaRPr dirty="0"/>
           </a:p>
         </p:txBody>
       </p:sp>
@@ -13667,326 +13796,601 @@
               <a:buNone/>
             </a:pPr>
             <a:r>
-              <a:rPr lang="es-MX"/>
-              <a:t>Precios</a:t>
+              <a:rPr lang="es-MX" dirty="0"/>
+              <a:t>Modelo de ingreso</a:t>
             </a:r>
-            <a:endParaRPr/>
-          </a:p>
-        </p:txBody>
-      </p:sp>
-      <p:sp>
-        <p:nvSpPr>
-          <p:cNvPr id="177" name="Google Shape;177;g320a66a9b0a_0_38"/>
-          <p:cNvSpPr txBox="1">
-            <a:spLocks noGrp="1"/>
-          </p:cNvSpPr>
-          <p:nvPr>
-            <p:ph type="body" idx="1"/>
-          </p:nvPr>
-        </p:nvSpPr>
-        <p:spPr>
-          <a:xfrm>
-            <a:off x="378825" y="1253400"/>
-            <a:ext cx="10974900" cy="1842300"/>
-          </a:xfrm>
-          <a:prstGeom prst="rect">
-            <a:avLst/>
-          </a:prstGeom>
-        </p:spPr>
-        <p:txBody>
-          <a:bodyPr spcFirstLastPara="1" wrap="square" lIns="91425" tIns="45700" rIns="91425" bIns="45700" anchor="t" anchorCtr="0">
-            <a:normAutofit/>
-          </a:bodyPr>
-          <a:lstStyle/>
-          <a:p>
-            <a:pPr marL="0" lvl="0" indent="0" algn="l" rtl="0">
-              <a:spcBef>
-                <a:spcPts val="1000"/>
-              </a:spcBef>
-              <a:spcAft>
-                <a:spcPts val="0"/>
-              </a:spcAft>
-              <a:buNone/>
-            </a:pPr>
-            <a:r>
-              <a:rPr lang="es-MX" sz="1500"/>
-              <a:t>Los costos en USD por km2 de imagen son alrededor de 9 dolares en algunos proveedores. Las imagenes por lo general miden 25km2. Por lo que cada imagen tiene un costo aproximado de 220 dolares. </a:t>
-            </a:r>
-            <a:endParaRPr sz="1500"/>
-          </a:p>
-          <a:p>
-            <a:pPr marL="0" lvl="0" indent="0" algn="l" rtl="0">
-              <a:spcBef>
-                <a:spcPts val="1000"/>
-              </a:spcBef>
-              <a:spcAft>
-                <a:spcPts val="0"/>
-              </a:spcAft>
-              <a:buNone/>
-            </a:pPr>
-            <a:endParaRPr sz="1500"/>
-          </a:p>
-          <a:p>
-            <a:pPr marL="0" lvl="0" indent="0" algn="l" rtl="0">
-              <a:spcBef>
-                <a:spcPts val="1000"/>
-              </a:spcBef>
-              <a:spcAft>
-                <a:spcPts val="0"/>
-              </a:spcAft>
-              <a:buNone/>
-            </a:pPr>
-            <a:r>
-              <a:rPr lang="es-MX" sz="1500"/>
-              <a:t>Dado que esto propablemente representara el costo más elevado. Los costos aproximados de una mensualida de este serivcio podrian rondar los 350 dolares mensuales para usuarios con menos de (aproxidamente menor a 2,000 hectareas). y unos 600 dolares mensuales a usuarios con hasta 4 mil hectareas. </a:t>
-            </a:r>
-            <a:endParaRPr sz="1500"/>
+            <a:endParaRPr dirty="0"/>
           </a:p>
         </p:txBody>
       </p:sp>
       <p:pic>
         <p:nvPicPr>
-          <p:cNvPr id="178" name="Google Shape;178;g320a66a9b0a_0_38"/>
-          <p:cNvPicPr preferRelativeResize="0"/>
+          <p:cNvPr id="9" name="Picture 2" descr="Service Upgrade Concept Three Options Basic Subscription Standard Account  Premium Plan Stock Illustration - Download Image Now - iStock">
+            <a:extLst>
+              <a:ext uri="{FF2B5EF4-FFF2-40B4-BE49-F238E27FC236}">
+                <a16:creationId xmlns:a16="http://schemas.microsoft.com/office/drawing/2014/main" id="{BA1D5697-912C-F209-305C-07F32B53B695}"/>
+              </a:ext>
+            </a:extLst>
+          </p:cNvPr>
+          <p:cNvPicPr>
+            <a:picLocks noChangeAspect="1" noChangeArrowheads="1"/>
+          </p:cNvPicPr>
           <p:nvPr/>
         </p:nvPicPr>
         <p:blipFill rotWithShape="1">
           <a:blip r:embed="rId3">
-            <a:alphaModFix/>
+            <a:extLst>
+              <a:ext uri="{28A0092B-C50C-407E-A947-70E740481C1C}">
+                <a14:useLocalDpi xmlns:a14="http://schemas.microsoft.com/office/drawing/2010/main" val="0"/>
+              </a:ext>
+            </a:extLst>
           </a:blip>
-          <a:srcRect t="24163" b="21254"/>
+          <a:srcRect l="65235" t="30140" r="5347" b="31179"/>
           <a:stretch/>
         </p:blipFill>
-        <p:spPr>
+        <p:spPr bwMode="auto">
           <a:xfrm>
-            <a:off x="775175" y="3590200"/>
-            <a:ext cx="2729526" cy="1489800"/>
+            <a:off x="9585218" y="1136989"/>
+            <a:ext cx="1368941" cy="1800000"/>
           </a:xfrm>
           <a:prstGeom prst="rect">
             <a:avLst/>
           </a:prstGeom>
           <a:noFill/>
-          <a:ln>
-            <a:noFill/>
-          </a:ln>
+          <a:extLst>
+            <a:ext uri="{909E8E84-426E-40DD-AFC4-6F175D3DCCD1}">
+              <a14:hiddenFill xmlns:a14="http://schemas.microsoft.com/office/drawing/2010/main">
+                <a:solidFill>
+                  <a:srgbClr val="FFFFFF"/>
+                </a:solidFill>
+              </a14:hiddenFill>
+            </a:ext>
+          </a:extLst>
         </p:spPr>
       </p:pic>
       <p:sp>
         <p:nvSpPr>
-          <p:cNvPr id="179" name="Google Shape;179;g320a66a9b0a_0_38"/>
-          <p:cNvSpPr txBox="1">
-            <a:spLocks noGrp="1"/>
-          </p:cNvSpPr>
-          <p:nvPr>
-            <p:ph type="body" idx="1"/>
-          </p:nvPr>
+          <p:cNvPr id="10" name="CuadroTexto 9">
+            <a:extLst>
+              <a:ext uri="{FF2B5EF4-FFF2-40B4-BE49-F238E27FC236}">
+                <a16:creationId xmlns:a16="http://schemas.microsoft.com/office/drawing/2014/main" id="{9214DFBB-8E2A-44B1-AE48-6E09D6B0FB1B}"/>
+              </a:ext>
+            </a:extLst>
+          </p:cNvPr>
+          <p:cNvSpPr txBox="1"/>
+          <p:nvPr/>
         </p:nvSpPr>
         <p:spPr>
           <a:xfrm>
-            <a:off x="7808475" y="5301275"/>
-            <a:ext cx="4313100" cy="975600"/>
-          </a:xfrm>
-          <a:prstGeom prst="rect">
-            <a:avLst/>
-          </a:prstGeom>
-        </p:spPr>
-        <p:txBody>
-          <a:bodyPr spcFirstLastPara="1" wrap="square" lIns="91425" tIns="45700" rIns="91425" bIns="45700" anchor="t" anchorCtr="0">
-            <a:normAutofit fontScale="92500" lnSpcReduction="20000"/>
-          </a:bodyPr>
-          <a:lstStyle/>
-          <a:p>
-            <a:pPr marL="0" lvl="0" indent="0" algn="l" rtl="0">
-              <a:spcBef>
-                <a:spcPts val="1000"/>
-              </a:spcBef>
-              <a:spcAft>
-                <a:spcPts val="0"/>
-              </a:spcAft>
-              <a:buNone/>
-            </a:pPr>
-            <a:r>
-              <a:rPr lang="es-MX" sz="1500"/>
-              <a:t>Se podria optar por algun servicio en conjunto donde se puedan integrar hasta 3 agricultores de una misma zona  de hasta 2,000 hectareas y dar el servicio a los 3 por </a:t>
-            </a:r>
-            <a:r>
-              <a:rPr lang="es-MX" sz="1500" b="1"/>
-              <a:t>150 dolares mensuales  a cada uno. </a:t>
-            </a:r>
-            <a:endParaRPr sz="1500" b="1"/>
-          </a:p>
-        </p:txBody>
-      </p:sp>
-      <p:pic>
-        <p:nvPicPr>
-          <p:cNvPr id="180" name="Google Shape;180;g320a66a9b0a_0_38"/>
-          <p:cNvPicPr preferRelativeResize="0"/>
-          <p:nvPr/>
-        </p:nvPicPr>
-        <p:blipFill rotWithShape="1">
-          <a:blip r:embed="rId3">
-            <a:alphaModFix/>
-          </a:blip>
-          <a:srcRect t="24163" b="21254"/>
-          <a:stretch/>
-        </p:blipFill>
-        <p:spPr>
-          <a:xfrm>
-            <a:off x="4501513" y="3651250"/>
-            <a:ext cx="2729526" cy="1489800"/>
+            <a:off x="4487728" y="6344445"/>
+            <a:ext cx="3065929" cy="307777"/>
           </a:xfrm>
           <a:prstGeom prst="rect">
             <a:avLst/>
           </a:prstGeom>
           <a:noFill/>
-          <a:ln>
+        </p:spPr>
+        <p:txBody>
+          <a:bodyPr wrap="square" rtlCol="0">
+            <a:spAutoFit/>
+          </a:bodyPr>
+          <a:lstStyle/>
+          <a:p>
+            <a:r>
+              <a:rPr lang="es-MX" dirty="0"/>
+              <a:t>Hasta 1,000 hectareas continuas </a:t>
+            </a:r>
+          </a:p>
+        </p:txBody>
+      </p:sp>
+      <p:grpSp>
+        <p:nvGrpSpPr>
+          <p:cNvPr id="20" name="Grupo 19">
+            <a:extLst>
+              <a:ext uri="{FF2B5EF4-FFF2-40B4-BE49-F238E27FC236}">
+                <a16:creationId xmlns:a16="http://schemas.microsoft.com/office/drawing/2014/main" id="{564891FD-FB4B-F85F-C0F1-623878758A0D}"/>
+              </a:ext>
+            </a:extLst>
+          </p:cNvPr>
+          <p:cNvGrpSpPr/>
+          <p:nvPr/>
+        </p:nvGrpSpPr>
+        <p:grpSpPr>
+          <a:xfrm>
+            <a:off x="141564" y="1136989"/>
+            <a:ext cx="3666564" cy="3546186"/>
+            <a:chOff x="109370" y="1398600"/>
+            <a:chExt cx="3666564" cy="3546186"/>
+          </a:xfrm>
+        </p:grpSpPr>
+        <p:pic>
+          <p:nvPicPr>
+            <p:cNvPr id="1026" name="Picture 2" descr="Service Upgrade Concept Three Options Basic Subscription Standard Account  Premium Plan Stock Illustration - Download Image Now - iStock">
+              <a:extLst>
+                <a:ext uri="{FF2B5EF4-FFF2-40B4-BE49-F238E27FC236}">
+                  <a16:creationId xmlns:a16="http://schemas.microsoft.com/office/drawing/2014/main" id="{A1E0C7F0-9A1D-D022-1DA4-D91742E37273}"/>
+                </a:ext>
+              </a:extLst>
+            </p:cNvPr>
+            <p:cNvPicPr>
+              <a:picLocks noChangeAspect="1" noChangeArrowheads="1"/>
+            </p:cNvPicPr>
+            <p:nvPr/>
+          </p:nvPicPr>
+          <p:blipFill rotWithShape="1">
+            <a:blip r:embed="rId3">
+              <a:extLst>
+                <a:ext uri="{28A0092B-C50C-407E-A947-70E740481C1C}">
+                  <a14:useLocalDpi xmlns:a14="http://schemas.microsoft.com/office/drawing/2010/main" val="0"/>
+                </a:ext>
+              </a:extLst>
+            </a:blip>
+            <a:srcRect l="8243" t="30157" r="64702" b="31162"/>
+            <a:stretch/>
+          </p:blipFill>
+          <p:spPr bwMode="auto">
+            <a:xfrm>
+              <a:off x="1313184" y="1398600"/>
+              <a:ext cx="1258936" cy="1800000"/>
+            </a:xfrm>
+            <a:prstGeom prst="rect">
+              <a:avLst/>
+            </a:prstGeom>
             <a:noFill/>
-          </a:ln>
-        </p:spPr>
-      </p:pic>
+            <a:extLst>
+              <a:ext uri="{909E8E84-426E-40DD-AFC4-6F175D3DCCD1}">
+                <a14:hiddenFill xmlns:a14="http://schemas.microsoft.com/office/drawing/2010/main">
+                  <a:solidFill>
+                    <a:srgbClr val="FFFFFF"/>
+                  </a:solidFill>
+                </a14:hiddenFill>
+              </a:ext>
+            </a:extLst>
+          </p:spPr>
+        </p:pic>
+        <p:sp>
+          <p:nvSpPr>
+            <p:cNvPr id="11" name="CuadroTexto 10">
+              <a:extLst>
+                <a:ext uri="{FF2B5EF4-FFF2-40B4-BE49-F238E27FC236}">
+                  <a16:creationId xmlns:a16="http://schemas.microsoft.com/office/drawing/2014/main" id="{8F9C8529-ED1E-785B-212D-66C04FE22DA6}"/>
+                </a:ext>
+              </a:extLst>
+            </p:cNvPr>
+            <p:cNvSpPr txBox="1"/>
+            <p:nvPr/>
+          </p:nvSpPr>
+          <p:spPr>
+            <a:xfrm>
+              <a:off x="109370" y="3559791"/>
+              <a:ext cx="3666564" cy="1384995"/>
+            </a:xfrm>
+            <a:prstGeom prst="rect">
+              <a:avLst/>
+            </a:prstGeom>
+            <a:noFill/>
+          </p:spPr>
+          <p:txBody>
+            <a:bodyPr wrap="square" rtlCol="0">
+              <a:spAutoFit/>
+            </a:bodyPr>
+            <a:lstStyle/>
+            <a:p>
+              <a:pPr marL="285750" indent="-285750">
+                <a:buFontTx/>
+                <a:buChar char="-"/>
+              </a:pPr>
+              <a:r>
+                <a:rPr lang="es-MX" dirty="0"/>
+                <a:t>Monitoreo de la salud del cultivo y otros indicadores </a:t>
+              </a:r>
+            </a:p>
+            <a:p>
+              <a:pPr marL="285750" indent="-285750">
+                <a:buFontTx/>
+                <a:buChar char="-"/>
+              </a:pPr>
+              <a:r>
+                <a:rPr lang="es-MX" dirty="0"/>
+                <a:t>Uso de imágenes satelitales de mediana reslución </a:t>
+              </a:r>
+            </a:p>
+            <a:p>
+              <a:pPr marL="285750" indent="-285750">
+                <a:buFontTx/>
+                <a:buChar char="-"/>
+              </a:pPr>
+              <a:r>
+                <a:rPr lang="es-MX" dirty="0"/>
+                <a:t>Generación de reportes básicos</a:t>
+              </a:r>
+            </a:p>
+            <a:p>
+              <a:pPr marL="285750" indent="-285750">
+                <a:buFontTx/>
+                <a:buChar char="-"/>
+              </a:pPr>
+              <a:r>
+                <a:rPr lang="es-MX" dirty="0"/>
+                <a:t>Frecuncia de imágenes  semanal </a:t>
+              </a:r>
+            </a:p>
+          </p:txBody>
+        </p:sp>
+      </p:grpSp>
+      <p:grpSp>
+        <p:nvGrpSpPr>
+          <p:cNvPr id="21" name="Grupo 20">
+            <a:extLst>
+              <a:ext uri="{FF2B5EF4-FFF2-40B4-BE49-F238E27FC236}">
+                <a16:creationId xmlns:a16="http://schemas.microsoft.com/office/drawing/2014/main" id="{96230ED9-E606-ED34-B918-C45514179D82}"/>
+              </a:ext>
+            </a:extLst>
+          </p:cNvPr>
+          <p:cNvGrpSpPr/>
+          <p:nvPr/>
+        </p:nvGrpSpPr>
+        <p:grpSpPr>
+          <a:xfrm>
+            <a:off x="4187412" y="1101394"/>
+            <a:ext cx="3666564" cy="3977073"/>
+            <a:chOff x="4187414" y="1398600"/>
+            <a:chExt cx="3666564" cy="3977073"/>
+          </a:xfrm>
+        </p:grpSpPr>
+        <p:pic>
+          <p:nvPicPr>
+            <p:cNvPr id="8" name="Picture 2" descr="Service Upgrade Concept Three Options Basic Subscription Standard Account  Premium Plan Stock Illustration - Download Image Now - iStock">
+              <a:extLst>
+                <a:ext uri="{FF2B5EF4-FFF2-40B4-BE49-F238E27FC236}">
+                  <a16:creationId xmlns:a16="http://schemas.microsoft.com/office/drawing/2014/main" id="{140022DE-00CC-2F09-3B0D-5A253277E320}"/>
+                </a:ext>
+              </a:extLst>
+            </p:cNvPr>
+            <p:cNvPicPr>
+              <a:picLocks noChangeAspect="1" noChangeArrowheads="1"/>
+            </p:cNvPicPr>
+            <p:nvPr/>
+          </p:nvPicPr>
+          <p:blipFill rotWithShape="1">
+            <a:blip r:embed="rId3">
+              <a:extLst>
+                <a:ext uri="{28A0092B-C50C-407E-A947-70E740481C1C}">
+                  <a14:useLocalDpi xmlns:a14="http://schemas.microsoft.com/office/drawing/2010/main" val="0"/>
+                </a:ext>
+              </a:extLst>
+            </a:blip>
+            <a:srcRect l="36020" t="30459" r="34562" b="30859"/>
+            <a:stretch/>
+          </p:blipFill>
+          <p:spPr bwMode="auto">
+            <a:xfrm>
+              <a:off x="5336225" y="1398600"/>
+              <a:ext cx="1368941" cy="1800000"/>
+            </a:xfrm>
+            <a:prstGeom prst="rect">
+              <a:avLst/>
+            </a:prstGeom>
+            <a:noFill/>
+            <a:extLst>
+              <a:ext uri="{909E8E84-426E-40DD-AFC4-6F175D3DCCD1}">
+                <a14:hiddenFill xmlns:a14="http://schemas.microsoft.com/office/drawing/2010/main">
+                  <a:solidFill>
+                    <a:srgbClr val="FFFFFF"/>
+                  </a:solidFill>
+                </a14:hiddenFill>
+              </a:ext>
+            </a:extLst>
+          </p:spPr>
+        </p:pic>
+        <p:sp>
+          <p:nvSpPr>
+            <p:cNvPr id="17" name="CuadroTexto 16">
+              <a:extLst>
+                <a:ext uri="{FF2B5EF4-FFF2-40B4-BE49-F238E27FC236}">
+                  <a16:creationId xmlns:a16="http://schemas.microsoft.com/office/drawing/2014/main" id="{3035A7FB-5DCD-7F72-BBC2-A3968172DC83}"/>
+                </a:ext>
+              </a:extLst>
+            </p:cNvPr>
+            <p:cNvSpPr txBox="1"/>
+            <p:nvPr/>
+          </p:nvSpPr>
+          <p:spPr>
+            <a:xfrm>
+              <a:off x="4187414" y="3559791"/>
+              <a:ext cx="3666564" cy="1815882"/>
+            </a:xfrm>
+            <a:prstGeom prst="rect">
+              <a:avLst/>
+            </a:prstGeom>
+            <a:noFill/>
+          </p:spPr>
+          <p:txBody>
+            <a:bodyPr wrap="square" rtlCol="0">
+              <a:spAutoFit/>
+            </a:bodyPr>
+            <a:lstStyle/>
+            <a:p>
+              <a:pPr marL="285750" indent="-285750">
+                <a:buFontTx/>
+                <a:buChar char="-"/>
+              </a:pPr>
+              <a:r>
+                <a:rPr lang="es-MX" dirty="0"/>
+                <a:t>Monitoreo meterologico </a:t>
+              </a:r>
+            </a:p>
+            <a:p>
+              <a:pPr marL="285750" indent="-285750">
+                <a:buFontTx/>
+                <a:buChar char="-"/>
+              </a:pPr>
+              <a:r>
+                <a:rPr lang="es-MX" dirty="0"/>
+                <a:t>Monitoreo de la salud del cultivo y otros indicadores</a:t>
+              </a:r>
+            </a:p>
+            <a:p>
+              <a:pPr marL="285750" indent="-285750">
+                <a:buFontTx/>
+                <a:buChar char="-"/>
+              </a:pPr>
+              <a:r>
+                <a:rPr lang="es-MX" dirty="0"/>
+                <a:t>Uso de imágenes satelitales de mediana resolución</a:t>
+              </a:r>
+            </a:p>
+            <a:p>
+              <a:pPr marL="285750" indent="-285750">
+                <a:buFontTx/>
+                <a:buChar char="-"/>
+              </a:pPr>
+              <a:r>
+                <a:rPr lang="es-MX" dirty="0"/>
+                <a:t>Generación de reportes básicos y avanzados </a:t>
+              </a:r>
+            </a:p>
+            <a:p>
+              <a:pPr marL="285750" indent="-285750">
+                <a:buFontTx/>
+                <a:buChar char="-"/>
+              </a:pPr>
+              <a:r>
+                <a:rPr lang="es-MX" dirty="0"/>
+                <a:t>Frecuncia de imágenes  semanal </a:t>
+              </a:r>
+            </a:p>
+          </p:txBody>
+        </p:sp>
+      </p:grpSp>
       <p:sp>
         <p:nvSpPr>
-          <p:cNvPr id="181" name="Google Shape;181;g320a66a9b0a_0_38"/>
-          <p:cNvSpPr txBox="1">
-            <a:spLocks noGrp="1"/>
-          </p:cNvSpPr>
-          <p:nvPr>
-            <p:ph type="body" idx="1"/>
-          </p:nvPr>
+          <p:cNvPr id="18" name="CuadroTexto 17">
+            <a:extLst>
+              <a:ext uri="{FF2B5EF4-FFF2-40B4-BE49-F238E27FC236}">
+                <a16:creationId xmlns:a16="http://schemas.microsoft.com/office/drawing/2014/main" id="{AFDBF5D4-8418-D3A3-308F-7A3A267B85DE}"/>
+              </a:ext>
+            </a:extLst>
+          </p:cNvPr>
+          <p:cNvSpPr txBox="1"/>
+          <p:nvPr/>
         </p:nvSpPr>
         <p:spPr>
           <a:xfrm>
-            <a:off x="608475" y="5244775"/>
-            <a:ext cx="3315600" cy="731100"/>
-          </a:xfrm>
-          <a:prstGeom prst="rect">
-            <a:avLst/>
-          </a:prstGeom>
-        </p:spPr>
-        <p:txBody>
-          <a:bodyPr spcFirstLastPara="1" wrap="square" lIns="91425" tIns="45700" rIns="91425" bIns="45700" anchor="t" anchorCtr="0">
-            <a:normAutofit lnSpcReduction="10000"/>
-          </a:bodyPr>
-          <a:lstStyle/>
-          <a:p>
-            <a:pPr marL="0" lvl="0" indent="0" algn="ctr" rtl="0">
-              <a:spcBef>
-                <a:spcPts val="1000"/>
-              </a:spcBef>
-              <a:spcAft>
-                <a:spcPts val="0"/>
-              </a:spcAft>
-              <a:buNone/>
-            </a:pPr>
-            <a:r>
-              <a:rPr lang="es-MX" sz="1500"/>
-              <a:t>Hasta 2,000 hectareas </a:t>
-            </a:r>
-            <a:endParaRPr sz="1500"/>
-          </a:p>
-          <a:p>
-            <a:pPr marL="0" lvl="0" indent="0" algn="ctr" rtl="0">
-              <a:spcBef>
-                <a:spcPts val="1000"/>
-              </a:spcBef>
-              <a:spcAft>
-                <a:spcPts val="0"/>
-              </a:spcAft>
-              <a:buNone/>
-            </a:pPr>
-            <a:r>
-              <a:rPr lang="es-MX" sz="1500"/>
-              <a:t>350 dolares </a:t>
-            </a:r>
-            <a:endParaRPr sz="1500"/>
-          </a:p>
-        </p:txBody>
-      </p:sp>
-      <p:sp>
-        <p:nvSpPr>
-          <p:cNvPr id="182" name="Google Shape;182;g320a66a9b0a_0_38"/>
-          <p:cNvSpPr txBox="1">
-            <a:spLocks noGrp="1"/>
-          </p:cNvSpPr>
-          <p:nvPr>
-            <p:ph type="body" idx="1"/>
-          </p:nvPr>
-        </p:nvSpPr>
-        <p:spPr>
-          <a:xfrm>
-            <a:off x="4208475" y="5244775"/>
-            <a:ext cx="3315600" cy="731100"/>
-          </a:xfrm>
-          <a:prstGeom prst="rect">
-            <a:avLst/>
-          </a:prstGeom>
-        </p:spPr>
-        <p:txBody>
-          <a:bodyPr spcFirstLastPara="1" wrap="square" lIns="91425" tIns="45700" rIns="91425" bIns="45700" anchor="t" anchorCtr="0">
-            <a:normAutofit lnSpcReduction="10000"/>
-          </a:bodyPr>
-          <a:lstStyle/>
-          <a:p>
-            <a:pPr marL="0" lvl="0" indent="0" algn="ctr" rtl="0">
-              <a:spcBef>
-                <a:spcPts val="1000"/>
-              </a:spcBef>
-              <a:spcAft>
-                <a:spcPts val="0"/>
-              </a:spcAft>
-              <a:buNone/>
-            </a:pPr>
-            <a:r>
-              <a:rPr lang="es-MX" sz="1500"/>
-              <a:t>Hasta 4,000 hectareas </a:t>
-            </a:r>
-            <a:endParaRPr sz="1500"/>
-          </a:p>
-          <a:p>
-            <a:pPr marL="0" lvl="0" indent="0" algn="ctr" rtl="0">
-              <a:spcBef>
-                <a:spcPts val="1000"/>
-              </a:spcBef>
-              <a:spcAft>
-                <a:spcPts val="0"/>
-              </a:spcAft>
-              <a:buNone/>
-            </a:pPr>
-            <a:r>
-              <a:rPr lang="es-MX" sz="1500"/>
-              <a:t>600 dolares </a:t>
-            </a:r>
-            <a:endParaRPr sz="1500"/>
-          </a:p>
-        </p:txBody>
-      </p:sp>
-      <p:pic>
-        <p:nvPicPr>
-          <p:cNvPr id="183" name="Google Shape;183;g320a66a9b0a_0_38"/>
-          <p:cNvPicPr preferRelativeResize="0"/>
-          <p:nvPr/>
-        </p:nvPicPr>
-        <p:blipFill rotWithShape="1">
-          <a:blip r:embed="rId3">
-            <a:alphaModFix/>
-          </a:blip>
-          <a:srcRect t="24163" b="21254"/>
-          <a:stretch/>
-        </p:blipFill>
-        <p:spPr>
-          <a:xfrm>
-            <a:off x="8394538" y="3590200"/>
-            <a:ext cx="2729526" cy="1489800"/>
+            <a:off x="8612551" y="3140243"/>
+            <a:ext cx="3666564" cy="2246769"/>
           </a:xfrm>
           <a:prstGeom prst="rect">
             <a:avLst/>
           </a:prstGeom>
           <a:noFill/>
-          <a:ln>
-            <a:noFill/>
-          </a:ln>
         </p:spPr>
-      </p:pic>
+        <p:txBody>
+          <a:bodyPr wrap="square" rtlCol="0">
+            <a:spAutoFit/>
+          </a:bodyPr>
+          <a:lstStyle/>
+          <a:p>
+            <a:pPr marL="285750" indent="-285750">
+              <a:buFontTx/>
+              <a:buChar char="-"/>
+            </a:pPr>
+            <a:r>
+              <a:rPr lang="es-MX" dirty="0"/>
+              <a:t>Monitoreo meterologico </a:t>
+            </a:r>
+          </a:p>
+          <a:p>
+            <a:pPr marL="285750" indent="-285750">
+              <a:buFontTx/>
+              <a:buChar char="-"/>
+            </a:pPr>
+            <a:r>
+              <a:rPr lang="es-MX" dirty="0"/>
+              <a:t>Monitoreo de la salud del cultivo y otros indicadores </a:t>
+            </a:r>
+          </a:p>
+          <a:p>
+            <a:pPr marL="285750" indent="-285750">
+              <a:buFontTx/>
+              <a:buChar char="-"/>
+            </a:pPr>
+            <a:r>
+              <a:rPr lang="es-MX" dirty="0"/>
+              <a:t>Uso de imágenes satelitales de alta resolución</a:t>
+            </a:r>
+          </a:p>
+          <a:p>
+            <a:pPr marL="285750" indent="-285750">
+              <a:buFontTx/>
+              <a:buChar char="-"/>
+            </a:pPr>
+            <a:r>
+              <a:rPr lang="es-MX" dirty="0"/>
+              <a:t>Generación de reportes básicos y avanzados </a:t>
+            </a:r>
+          </a:p>
+          <a:p>
+            <a:pPr marL="285750" indent="-285750">
+              <a:buFontTx/>
+              <a:buChar char="-"/>
+            </a:pPr>
+            <a:r>
+              <a:rPr lang="es-MX" dirty="0"/>
+              <a:t>Frecuncia de imágenes  semanal </a:t>
+            </a:r>
+          </a:p>
+          <a:p>
+            <a:pPr marL="285750" indent="-285750">
+              <a:buFontTx/>
+              <a:buChar char="-"/>
+            </a:pPr>
+            <a:r>
+              <a:rPr lang="es-MX" dirty="0"/>
+              <a:t>Información nacional de cultivos </a:t>
+            </a:r>
+          </a:p>
+          <a:p>
+            <a:pPr marL="285750" indent="-285750">
+              <a:buFontTx/>
+              <a:buChar char="-"/>
+            </a:pPr>
+            <a:r>
+              <a:rPr lang="es-MX" dirty="0"/>
+              <a:t>Predicción de cosecha </a:t>
+            </a:r>
+          </a:p>
+        </p:txBody>
+      </p:sp>
+      <p:sp>
+        <p:nvSpPr>
+          <p:cNvPr id="19" name="CuadroTexto 18">
+            <a:extLst>
+              <a:ext uri="{FF2B5EF4-FFF2-40B4-BE49-F238E27FC236}">
+                <a16:creationId xmlns:a16="http://schemas.microsoft.com/office/drawing/2014/main" id="{EF0CE020-96C7-948E-6C90-88A5FAAAD964}"/>
+              </a:ext>
+            </a:extLst>
+          </p:cNvPr>
+          <p:cNvSpPr txBox="1"/>
+          <p:nvPr/>
+        </p:nvSpPr>
+        <p:spPr>
+          <a:xfrm>
+            <a:off x="441881" y="5590266"/>
+            <a:ext cx="3065929" cy="523220"/>
+          </a:xfrm>
+          <a:prstGeom prst="rect">
+            <a:avLst/>
+          </a:prstGeom>
+          <a:noFill/>
+        </p:spPr>
+        <p:txBody>
+          <a:bodyPr wrap="square" rtlCol="0">
+            <a:spAutoFit/>
+          </a:bodyPr>
+          <a:lstStyle/>
+          <a:p>
+            <a:pPr algn="ctr"/>
+            <a:r>
+              <a:rPr lang="es-MX" dirty="0"/>
+              <a:t>3,000 </a:t>
+            </a:r>
+          </a:p>
+          <a:p>
+            <a:pPr algn="ctr"/>
+            <a:r>
+              <a:rPr lang="es-MX" dirty="0"/>
+              <a:t>M.X.N/mes</a:t>
+            </a:r>
+          </a:p>
+        </p:txBody>
+      </p:sp>
+      <p:sp>
+        <p:nvSpPr>
+          <p:cNvPr id="22" name="CuadroTexto 21">
+            <a:extLst>
+              <a:ext uri="{FF2B5EF4-FFF2-40B4-BE49-F238E27FC236}">
+                <a16:creationId xmlns:a16="http://schemas.microsoft.com/office/drawing/2014/main" id="{56C18A57-8FB3-24C6-E102-3BB086C64F31}"/>
+              </a:ext>
+            </a:extLst>
+          </p:cNvPr>
+          <p:cNvSpPr txBox="1"/>
+          <p:nvPr/>
+        </p:nvSpPr>
+        <p:spPr>
+          <a:xfrm>
+            <a:off x="4187412" y="5590266"/>
+            <a:ext cx="3065929" cy="523220"/>
+          </a:xfrm>
+          <a:prstGeom prst="rect">
+            <a:avLst/>
+          </a:prstGeom>
+          <a:noFill/>
+        </p:spPr>
+        <p:txBody>
+          <a:bodyPr wrap="square" rtlCol="0">
+            <a:spAutoFit/>
+          </a:bodyPr>
+          <a:lstStyle/>
+          <a:p>
+            <a:pPr algn="ctr"/>
+            <a:r>
+              <a:rPr lang="es-MX" dirty="0"/>
+              <a:t>5,000 </a:t>
+            </a:r>
+          </a:p>
+          <a:p>
+            <a:pPr algn="ctr"/>
+            <a:r>
+              <a:rPr lang="es-MX" dirty="0"/>
+              <a:t>M.X.N/mes</a:t>
+            </a:r>
+          </a:p>
+        </p:txBody>
+      </p:sp>
+      <p:sp>
+        <p:nvSpPr>
+          <p:cNvPr id="23" name="CuadroTexto 22">
+            <a:extLst>
+              <a:ext uri="{FF2B5EF4-FFF2-40B4-BE49-F238E27FC236}">
+                <a16:creationId xmlns:a16="http://schemas.microsoft.com/office/drawing/2014/main" id="{E69CE11E-654C-F568-7041-232873805BB5}"/>
+              </a:ext>
+            </a:extLst>
+          </p:cNvPr>
+          <p:cNvSpPr txBox="1"/>
+          <p:nvPr/>
+        </p:nvSpPr>
+        <p:spPr>
+          <a:xfrm>
+            <a:off x="8736723" y="5590266"/>
+            <a:ext cx="3065929" cy="523220"/>
+          </a:xfrm>
+          <a:prstGeom prst="rect">
+            <a:avLst/>
+          </a:prstGeom>
+          <a:noFill/>
+        </p:spPr>
+        <p:txBody>
+          <a:bodyPr wrap="square" rtlCol="0">
+            <a:spAutoFit/>
+          </a:bodyPr>
+          <a:lstStyle/>
+          <a:p>
+            <a:pPr algn="ctr"/>
+            <a:r>
+              <a:rPr lang="es-MX" dirty="0"/>
+              <a:t>10,000 </a:t>
+            </a:r>
+          </a:p>
+          <a:p>
+            <a:pPr algn="ctr"/>
+            <a:r>
+              <a:rPr lang="es-MX" dirty="0"/>
+              <a:t>M.X.N/mes</a:t>
+            </a:r>
+          </a:p>
+        </p:txBody>
+      </p:sp>
     </p:spTree>
   </p:cSld>
   <p:clrMapOvr>
@@ -13996,6 +14400,737 @@
 </file>
 
 <file path=ppt/slides/slide15.xml><?xml version="1.0" encoding="utf-8"?>
+<p:sld xmlns:a="http://schemas.openxmlformats.org/drawingml/2006/main" xmlns:r="http://schemas.openxmlformats.org/officeDocument/2006/relationships" xmlns:p="http://schemas.openxmlformats.org/presentationml/2006/main">
+  <p:cSld>
+    <p:spTree>
+      <p:nvGrpSpPr>
+        <p:cNvPr id="1" name="Shape 175">
+          <a:extLst>
+            <a:ext uri="{FF2B5EF4-FFF2-40B4-BE49-F238E27FC236}">
+              <a16:creationId xmlns:a16="http://schemas.microsoft.com/office/drawing/2014/main" id="{A2B3B6A2-9F6F-F2D5-B858-F09FA3D89618}"/>
+            </a:ext>
+          </a:extLst>
+        </p:cNvPr>
+        <p:cNvGrpSpPr/>
+        <p:nvPr/>
+      </p:nvGrpSpPr>
+      <p:grpSpPr>
+        <a:xfrm>
+          <a:off x="0" y="0"/>
+          <a:ext cx="0" cy="0"/>
+          <a:chOff x="0" y="0"/>
+          <a:chExt cx="0" cy="0"/>
+        </a:xfrm>
+      </p:grpSpPr>
+      <p:sp>
+        <p:nvSpPr>
+          <p:cNvPr id="176" name="Google Shape;176;g320a66a9b0a_0_38">
+            <a:extLst>
+              <a:ext uri="{FF2B5EF4-FFF2-40B4-BE49-F238E27FC236}">
+                <a16:creationId xmlns:a16="http://schemas.microsoft.com/office/drawing/2014/main" id="{061F99C9-1332-4A8F-093D-263BABF3F95B}"/>
+              </a:ext>
+            </a:extLst>
+          </p:cNvPr>
+          <p:cNvSpPr txBox="1">
+            <a:spLocks noGrp="1"/>
+          </p:cNvSpPr>
+          <p:nvPr>
+            <p:ph type="title"/>
+          </p:nvPr>
+        </p:nvSpPr>
+        <p:spPr>
+          <a:xfrm>
+            <a:off x="608475" y="72900"/>
+            <a:ext cx="10515600" cy="1325700"/>
+          </a:xfrm>
+          <a:prstGeom prst="rect">
+            <a:avLst/>
+          </a:prstGeom>
+        </p:spPr>
+        <p:txBody>
+          <a:bodyPr spcFirstLastPara="1" wrap="square" lIns="91425" tIns="45700" rIns="91425" bIns="45700" anchor="ctr" anchorCtr="0">
+            <a:normAutofit/>
+          </a:bodyPr>
+          <a:lstStyle/>
+          <a:p>
+            <a:pPr marL="0" lvl="0" indent="0" algn="l" rtl="0">
+              <a:spcBef>
+                <a:spcPts val="0"/>
+              </a:spcBef>
+              <a:spcAft>
+                <a:spcPts val="0"/>
+              </a:spcAft>
+              <a:buNone/>
+            </a:pPr>
+            <a:r>
+              <a:rPr lang="es-MX" dirty="0"/>
+              <a:t>Modelo de ingreso</a:t>
+            </a:r>
+            <a:endParaRPr dirty="0"/>
+          </a:p>
+        </p:txBody>
+      </p:sp>
+      <p:pic>
+        <p:nvPicPr>
+          <p:cNvPr id="9" name="Picture 2" descr="Service Upgrade Concept Three Options Basic Subscription Standard Account  Premium Plan Stock Illustration - Download Image Now - iStock">
+            <a:extLst>
+              <a:ext uri="{FF2B5EF4-FFF2-40B4-BE49-F238E27FC236}">
+                <a16:creationId xmlns:a16="http://schemas.microsoft.com/office/drawing/2014/main" id="{919137F4-1761-E391-F71D-D7BDD255CE7A}"/>
+              </a:ext>
+            </a:extLst>
+          </p:cNvPr>
+          <p:cNvPicPr>
+            <a:picLocks noChangeAspect="1" noChangeArrowheads="1"/>
+          </p:cNvPicPr>
+          <p:nvPr/>
+        </p:nvPicPr>
+        <p:blipFill rotWithShape="1">
+          <a:blip r:embed="rId3">
+            <a:extLst>
+              <a:ext uri="{28A0092B-C50C-407E-A947-70E740481C1C}">
+                <a14:useLocalDpi xmlns:a14="http://schemas.microsoft.com/office/drawing/2010/main" val="0"/>
+              </a:ext>
+            </a:extLst>
+          </a:blip>
+          <a:srcRect l="65235" t="30140" r="5347" b="31179"/>
+          <a:stretch/>
+        </p:blipFill>
+        <p:spPr bwMode="auto">
+          <a:xfrm>
+            <a:off x="9585218" y="1136989"/>
+            <a:ext cx="1368941" cy="1800000"/>
+          </a:xfrm>
+          <a:prstGeom prst="rect">
+            <a:avLst/>
+          </a:prstGeom>
+          <a:noFill/>
+          <a:extLst>
+            <a:ext uri="{909E8E84-426E-40DD-AFC4-6F175D3DCCD1}">
+              <a14:hiddenFill xmlns:a14="http://schemas.microsoft.com/office/drawing/2010/main">
+                <a:solidFill>
+                  <a:srgbClr val="FFFFFF"/>
+                </a:solidFill>
+              </a14:hiddenFill>
+            </a:ext>
+          </a:extLst>
+        </p:spPr>
+      </p:pic>
+      <p:sp>
+        <p:nvSpPr>
+          <p:cNvPr id="10" name="CuadroTexto 9">
+            <a:extLst>
+              <a:ext uri="{FF2B5EF4-FFF2-40B4-BE49-F238E27FC236}">
+                <a16:creationId xmlns:a16="http://schemas.microsoft.com/office/drawing/2014/main" id="{5512DF7B-98BD-CC5B-0F9C-59856274438E}"/>
+              </a:ext>
+            </a:extLst>
+          </p:cNvPr>
+          <p:cNvSpPr txBox="1"/>
+          <p:nvPr/>
+        </p:nvSpPr>
+        <p:spPr>
+          <a:xfrm>
+            <a:off x="4487728" y="6344445"/>
+            <a:ext cx="3065929" cy="307777"/>
+          </a:xfrm>
+          <a:prstGeom prst="rect">
+            <a:avLst/>
+          </a:prstGeom>
+          <a:noFill/>
+        </p:spPr>
+        <p:txBody>
+          <a:bodyPr wrap="square" rtlCol="0">
+            <a:spAutoFit/>
+          </a:bodyPr>
+          <a:lstStyle/>
+          <a:p>
+            <a:r>
+              <a:rPr lang="es-MX" dirty="0"/>
+              <a:t>Hasta 1,000 hectareas continuas </a:t>
+            </a:r>
+          </a:p>
+        </p:txBody>
+      </p:sp>
+      <p:grpSp>
+        <p:nvGrpSpPr>
+          <p:cNvPr id="20" name="Grupo 19">
+            <a:extLst>
+              <a:ext uri="{FF2B5EF4-FFF2-40B4-BE49-F238E27FC236}">
+                <a16:creationId xmlns:a16="http://schemas.microsoft.com/office/drawing/2014/main" id="{59DDCA81-DCDF-538F-F63A-2A7DDD6E99BD}"/>
+              </a:ext>
+            </a:extLst>
+          </p:cNvPr>
+          <p:cNvGrpSpPr/>
+          <p:nvPr/>
+        </p:nvGrpSpPr>
+        <p:grpSpPr>
+          <a:xfrm>
+            <a:off x="141564" y="1136989"/>
+            <a:ext cx="3666564" cy="3330742"/>
+            <a:chOff x="109370" y="1398600"/>
+            <a:chExt cx="3666564" cy="3330742"/>
+          </a:xfrm>
+        </p:grpSpPr>
+        <p:pic>
+          <p:nvPicPr>
+            <p:cNvPr id="1026" name="Picture 2" descr="Service Upgrade Concept Three Options Basic Subscription Standard Account  Premium Plan Stock Illustration - Download Image Now - iStock">
+              <a:extLst>
+                <a:ext uri="{FF2B5EF4-FFF2-40B4-BE49-F238E27FC236}">
+                  <a16:creationId xmlns:a16="http://schemas.microsoft.com/office/drawing/2014/main" id="{C2CB0AFC-04A8-BCFC-9207-3AE1E29FC6B0}"/>
+                </a:ext>
+              </a:extLst>
+            </p:cNvPr>
+            <p:cNvPicPr>
+              <a:picLocks noChangeAspect="1" noChangeArrowheads="1"/>
+            </p:cNvPicPr>
+            <p:nvPr/>
+          </p:nvPicPr>
+          <p:blipFill rotWithShape="1">
+            <a:blip r:embed="rId3">
+              <a:extLst>
+                <a:ext uri="{28A0092B-C50C-407E-A947-70E740481C1C}">
+                  <a14:useLocalDpi xmlns:a14="http://schemas.microsoft.com/office/drawing/2010/main" val="0"/>
+                </a:ext>
+              </a:extLst>
+            </a:blip>
+            <a:srcRect l="8243" t="30157" r="64702" b="31162"/>
+            <a:stretch/>
+          </p:blipFill>
+          <p:spPr bwMode="auto">
+            <a:xfrm>
+              <a:off x="1313184" y="1398600"/>
+              <a:ext cx="1258936" cy="1800000"/>
+            </a:xfrm>
+            <a:prstGeom prst="rect">
+              <a:avLst/>
+            </a:prstGeom>
+            <a:noFill/>
+            <a:extLst>
+              <a:ext uri="{909E8E84-426E-40DD-AFC4-6F175D3DCCD1}">
+                <a14:hiddenFill xmlns:a14="http://schemas.microsoft.com/office/drawing/2010/main">
+                  <a:solidFill>
+                    <a:srgbClr val="FFFFFF"/>
+                  </a:solidFill>
+                </a14:hiddenFill>
+              </a:ext>
+            </a:extLst>
+          </p:spPr>
+        </p:pic>
+        <p:sp>
+          <p:nvSpPr>
+            <p:cNvPr id="11" name="CuadroTexto 10">
+              <a:extLst>
+                <a:ext uri="{FF2B5EF4-FFF2-40B4-BE49-F238E27FC236}">
+                  <a16:creationId xmlns:a16="http://schemas.microsoft.com/office/drawing/2014/main" id="{6E8CDDF1-4052-199B-F34D-4FDCE3CAAFF7}"/>
+                </a:ext>
+              </a:extLst>
+            </p:cNvPr>
+            <p:cNvSpPr txBox="1"/>
+            <p:nvPr/>
+          </p:nvSpPr>
+          <p:spPr>
+            <a:xfrm>
+              <a:off x="109370" y="3559791"/>
+              <a:ext cx="3666564" cy="1169551"/>
+            </a:xfrm>
+            <a:prstGeom prst="rect">
+              <a:avLst/>
+            </a:prstGeom>
+            <a:noFill/>
+          </p:spPr>
+          <p:txBody>
+            <a:bodyPr wrap="square" rtlCol="0">
+              <a:spAutoFit/>
+            </a:bodyPr>
+            <a:lstStyle/>
+            <a:p>
+              <a:pPr marL="285750" indent="-285750">
+                <a:buFontTx/>
+                <a:buChar char="-"/>
+              </a:pPr>
+              <a:r>
+                <a:rPr lang="es-MX" dirty="0"/>
+                <a:t>Monitoreo de la salud del cultivo </a:t>
+              </a:r>
+            </a:p>
+            <a:p>
+              <a:pPr marL="285750" indent="-285750">
+                <a:buFontTx/>
+                <a:buChar char="-"/>
+              </a:pPr>
+              <a:r>
+                <a:rPr lang="es-MX" dirty="0"/>
+                <a:t>Uso de imágenes satelitales de mediana reslución </a:t>
+              </a:r>
+            </a:p>
+            <a:p>
+              <a:pPr marL="285750" indent="-285750">
+                <a:buFontTx/>
+                <a:buChar char="-"/>
+              </a:pPr>
+              <a:r>
+                <a:rPr lang="es-MX" dirty="0"/>
+                <a:t>Generación de reportes básicos</a:t>
+              </a:r>
+            </a:p>
+            <a:p>
+              <a:pPr marL="285750" indent="-285750">
+                <a:buFontTx/>
+                <a:buChar char="-"/>
+              </a:pPr>
+              <a:r>
+                <a:rPr lang="es-MX" dirty="0"/>
+                <a:t>Frecuncia de imágenes  semanal </a:t>
+              </a:r>
+            </a:p>
+          </p:txBody>
+        </p:sp>
+      </p:grpSp>
+      <p:pic>
+        <p:nvPicPr>
+          <p:cNvPr id="8" name="Picture 2" descr="Service Upgrade Concept Three Options Basic Subscription Standard Account  Premium Plan Stock Illustration - Download Image Now - iStock">
+            <a:extLst>
+              <a:ext uri="{FF2B5EF4-FFF2-40B4-BE49-F238E27FC236}">
+                <a16:creationId xmlns:a16="http://schemas.microsoft.com/office/drawing/2014/main" id="{64942D38-C6A0-B19A-0E09-2B7CE1E5DF6E}"/>
+              </a:ext>
+            </a:extLst>
+          </p:cNvPr>
+          <p:cNvPicPr>
+            <a:picLocks noChangeAspect="1" noChangeArrowheads="1"/>
+          </p:cNvPicPr>
+          <p:nvPr/>
+        </p:nvPicPr>
+        <p:blipFill rotWithShape="1">
+          <a:blip r:embed="rId3">
+            <a:extLst>
+              <a:ext uri="{28A0092B-C50C-407E-A947-70E740481C1C}">
+                <a14:useLocalDpi xmlns:a14="http://schemas.microsoft.com/office/drawing/2010/main" val="0"/>
+              </a:ext>
+            </a:extLst>
+          </a:blip>
+          <a:srcRect l="36020" t="30459" r="34562" b="30859"/>
+          <a:stretch/>
+        </p:blipFill>
+        <p:spPr bwMode="auto">
+          <a:xfrm>
+            <a:off x="5336223" y="1101394"/>
+            <a:ext cx="1368941" cy="1800000"/>
+          </a:xfrm>
+          <a:prstGeom prst="rect">
+            <a:avLst/>
+          </a:prstGeom>
+          <a:noFill/>
+          <a:extLst>
+            <a:ext uri="{909E8E84-426E-40DD-AFC4-6F175D3DCCD1}">
+              <a14:hiddenFill xmlns:a14="http://schemas.microsoft.com/office/drawing/2010/main">
+                <a:solidFill>
+                  <a:srgbClr val="FFFFFF"/>
+                </a:solidFill>
+              </a14:hiddenFill>
+            </a:ext>
+          </a:extLst>
+        </p:spPr>
+      </p:pic>
+      <p:sp>
+        <p:nvSpPr>
+          <p:cNvPr id="18" name="CuadroTexto 17">
+            <a:extLst>
+              <a:ext uri="{FF2B5EF4-FFF2-40B4-BE49-F238E27FC236}">
+                <a16:creationId xmlns:a16="http://schemas.microsoft.com/office/drawing/2014/main" id="{0A44C4E4-C90E-8A84-E548-D898DB6A491F}"/>
+              </a:ext>
+            </a:extLst>
+          </p:cNvPr>
+          <p:cNvSpPr txBox="1"/>
+          <p:nvPr/>
+        </p:nvSpPr>
+        <p:spPr>
+          <a:xfrm>
+            <a:off x="4398476" y="3228017"/>
+            <a:ext cx="3666564" cy="2246769"/>
+          </a:xfrm>
+          <a:prstGeom prst="rect">
+            <a:avLst/>
+          </a:prstGeom>
+          <a:noFill/>
+        </p:spPr>
+        <p:txBody>
+          <a:bodyPr wrap="square" rtlCol="0">
+            <a:spAutoFit/>
+          </a:bodyPr>
+          <a:lstStyle/>
+          <a:p>
+            <a:pPr marL="285750" indent="-285750">
+              <a:buFontTx/>
+              <a:buChar char="-"/>
+            </a:pPr>
+            <a:r>
+              <a:rPr lang="es-MX" dirty="0"/>
+              <a:t>Monitoreo meterologico </a:t>
+            </a:r>
+          </a:p>
+          <a:p>
+            <a:pPr marL="285750" indent="-285750">
+              <a:buFontTx/>
+              <a:buChar char="-"/>
+            </a:pPr>
+            <a:r>
+              <a:rPr lang="es-MX" dirty="0"/>
+              <a:t>Monitoreo de la salud del cultivo y otros indicadores </a:t>
+            </a:r>
+          </a:p>
+          <a:p>
+            <a:pPr marL="285750" indent="-285750">
+              <a:buFontTx/>
+              <a:buChar char="-"/>
+            </a:pPr>
+            <a:r>
+              <a:rPr lang="es-MX" dirty="0"/>
+              <a:t>Uso de imágenes satelitales de  mediana resolución</a:t>
+            </a:r>
+          </a:p>
+          <a:p>
+            <a:pPr marL="285750" indent="-285750">
+              <a:buFontTx/>
+              <a:buChar char="-"/>
+            </a:pPr>
+            <a:r>
+              <a:rPr lang="es-MX" dirty="0"/>
+              <a:t>Generación de reportes básicos y avanzados </a:t>
+            </a:r>
+          </a:p>
+          <a:p>
+            <a:pPr marL="285750" indent="-285750">
+              <a:buFontTx/>
+              <a:buChar char="-"/>
+            </a:pPr>
+            <a:r>
+              <a:rPr lang="es-MX" dirty="0"/>
+              <a:t>Frecuncia de imágenes  semanal </a:t>
+            </a:r>
+          </a:p>
+          <a:p>
+            <a:pPr marL="285750" indent="-285750">
+              <a:buFontTx/>
+              <a:buChar char="-"/>
+            </a:pPr>
+            <a:r>
+              <a:rPr lang="es-MX" dirty="0"/>
+              <a:t>Información nacional de cultivos </a:t>
+            </a:r>
+          </a:p>
+          <a:p>
+            <a:pPr marL="285750" indent="-285750">
+              <a:buFontTx/>
+              <a:buChar char="-"/>
+            </a:pPr>
+            <a:r>
+              <a:rPr lang="es-MX" dirty="0"/>
+              <a:t>Predicción de cosecha </a:t>
+            </a:r>
+          </a:p>
+        </p:txBody>
+      </p:sp>
+      <p:sp>
+        <p:nvSpPr>
+          <p:cNvPr id="19" name="CuadroTexto 18">
+            <a:extLst>
+              <a:ext uri="{FF2B5EF4-FFF2-40B4-BE49-F238E27FC236}">
+                <a16:creationId xmlns:a16="http://schemas.microsoft.com/office/drawing/2014/main" id="{0571A29C-29AE-63F5-6820-94ACE504FEB2}"/>
+              </a:ext>
+            </a:extLst>
+          </p:cNvPr>
+          <p:cNvSpPr txBox="1"/>
+          <p:nvPr/>
+        </p:nvSpPr>
+        <p:spPr>
+          <a:xfrm>
+            <a:off x="441881" y="5590266"/>
+            <a:ext cx="3065929" cy="523220"/>
+          </a:xfrm>
+          <a:prstGeom prst="rect">
+            <a:avLst/>
+          </a:prstGeom>
+          <a:noFill/>
+        </p:spPr>
+        <p:txBody>
+          <a:bodyPr wrap="square" rtlCol="0">
+            <a:spAutoFit/>
+          </a:bodyPr>
+          <a:lstStyle/>
+          <a:p>
+            <a:pPr algn="ctr"/>
+            <a:r>
+              <a:rPr lang="es-MX" dirty="0"/>
+              <a:t>2,500 </a:t>
+            </a:r>
+          </a:p>
+          <a:p>
+            <a:pPr algn="ctr"/>
+            <a:r>
+              <a:rPr lang="es-MX" dirty="0"/>
+              <a:t>M.X.N/mes</a:t>
+            </a:r>
+          </a:p>
+        </p:txBody>
+      </p:sp>
+      <p:sp>
+        <p:nvSpPr>
+          <p:cNvPr id="22" name="CuadroTexto 21">
+            <a:extLst>
+              <a:ext uri="{FF2B5EF4-FFF2-40B4-BE49-F238E27FC236}">
+                <a16:creationId xmlns:a16="http://schemas.microsoft.com/office/drawing/2014/main" id="{B0FE491E-95B8-5620-F3F7-0F619FBAB39B}"/>
+              </a:ext>
+            </a:extLst>
+          </p:cNvPr>
+          <p:cNvSpPr txBox="1"/>
+          <p:nvPr/>
+        </p:nvSpPr>
+        <p:spPr>
+          <a:xfrm>
+            <a:off x="4187412" y="5590266"/>
+            <a:ext cx="3065929" cy="523220"/>
+          </a:xfrm>
+          <a:prstGeom prst="rect">
+            <a:avLst/>
+          </a:prstGeom>
+          <a:noFill/>
+        </p:spPr>
+        <p:txBody>
+          <a:bodyPr wrap="square" rtlCol="0">
+            <a:spAutoFit/>
+          </a:bodyPr>
+          <a:lstStyle/>
+          <a:p>
+            <a:pPr algn="ctr"/>
+            <a:r>
+              <a:rPr lang="es-MX" dirty="0"/>
+              <a:t>5,000 </a:t>
+            </a:r>
+          </a:p>
+          <a:p>
+            <a:pPr algn="ctr"/>
+            <a:r>
+              <a:rPr lang="es-MX" dirty="0"/>
+              <a:t>M.X.N/mes</a:t>
+            </a:r>
+          </a:p>
+        </p:txBody>
+      </p:sp>
+      <p:sp>
+        <p:nvSpPr>
+          <p:cNvPr id="23" name="CuadroTexto 22">
+            <a:extLst>
+              <a:ext uri="{FF2B5EF4-FFF2-40B4-BE49-F238E27FC236}">
+                <a16:creationId xmlns:a16="http://schemas.microsoft.com/office/drawing/2014/main" id="{B661B943-B6A9-EA4A-61C0-AFEBA1D2BC27}"/>
+              </a:ext>
+            </a:extLst>
+          </p:cNvPr>
+          <p:cNvSpPr txBox="1"/>
+          <p:nvPr/>
+        </p:nvSpPr>
+        <p:spPr>
+          <a:xfrm>
+            <a:off x="8736723" y="5590266"/>
+            <a:ext cx="3065929" cy="523220"/>
+          </a:xfrm>
+          <a:prstGeom prst="rect">
+            <a:avLst/>
+          </a:prstGeom>
+          <a:noFill/>
+        </p:spPr>
+        <p:txBody>
+          <a:bodyPr wrap="square" rtlCol="0">
+            <a:spAutoFit/>
+          </a:bodyPr>
+          <a:lstStyle/>
+          <a:p>
+            <a:pPr algn="ctr"/>
+            <a:r>
+              <a:rPr lang="es-MX" dirty="0"/>
+              <a:t>10,000 </a:t>
+            </a:r>
+          </a:p>
+          <a:p>
+            <a:pPr algn="ctr"/>
+            <a:r>
+              <a:rPr lang="es-MX" dirty="0"/>
+              <a:t>M.X.N/mes</a:t>
+            </a:r>
+          </a:p>
+        </p:txBody>
+      </p:sp>
+      <p:sp>
+        <p:nvSpPr>
+          <p:cNvPr id="2" name="CuadroTexto 1">
+            <a:extLst>
+              <a:ext uri="{FF2B5EF4-FFF2-40B4-BE49-F238E27FC236}">
+                <a16:creationId xmlns:a16="http://schemas.microsoft.com/office/drawing/2014/main" id="{9D986112-3A5B-944A-CCC8-CCD3A9E92CED}"/>
+              </a:ext>
+            </a:extLst>
+          </p:cNvPr>
+          <p:cNvSpPr txBox="1"/>
+          <p:nvPr/>
+        </p:nvSpPr>
+        <p:spPr>
+          <a:xfrm>
+            <a:off x="8525436" y="3228017"/>
+            <a:ext cx="3666564" cy="2246769"/>
+          </a:xfrm>
+          <a:prstGeom prst="rect">
+            <a:avLst/>
+          </a:prstGeom>
+          <a:noFill/>
+        </p:spPr>
+        <p:txBody>
+          <a:bodyPr wrap="square" rtlCol="0">
+            <a:spAutoFit/>
+          </a:bodyPr>
+          <a:lstStyle/>
+          <a:p>
+            <a:pPr marL="285750" indent="-285750">
+              <a:buFontTx/>
+              <a:buChar char="-"/>
+            </a:pPr>
+            <a:r>
+              <a:rPr lang="es-MX" dirty="0"/>
+              <a:t>Monitoreo meterologico </a:t>
+            </a:r>
+          </a:p>
+          <a:p>
+            <a:pPr marL="285750" indent="-285750">
+              <a:buFontTx/>
+              <a:buChar char="-"/>
+            </a:pPr>
+            <a:r>
+              <a:rPr lang="es-MX" dirty="0"/>
+              <a:t>Monitoreo de la salud del cultivo y otros indicadores </a:t>
+            </a:r>
+          </a:p>
+          <a:p>
+            <a:pPr marL="285750" indent="-285750">
+              <a:buFontTx/>
+              <a:buChar char="-"/>
+            </a:pPr>
+            <a:r>
+              <a:rPr lang="es-MX" dirty="0"/>
+              <a:t>Uso de imágenes satelitales de alta resolución</a:t>
+            </a:r>
+          </a:p>
+          <a:p>
+            <a:pPr marL="285750" indent="-285750">
+              <a:buFontTx/>
+              <a:buChar char="-"/>
+            </a:pPr>
+            <a:r>
+              <a:rPr lang="es-MX" dirty="0"/>
+              <a:t>Generación de reportes básicos y avanzados </a:t>
+            </a:r>
+          </a:p>
+          <a:p>
+            <a:pPr marL="285750" indent="-285750">
+              <a:buFontTx/>
+              <a:buChar char="-"/>
+            </a:pPr>
+            <a:r>
+              <a:rPr lang="es-MX" dirty="0"/>
+              <a:t>Frecuncia de imágenes  semanal </a:t>
+            </a:r>
+          </a:p>
+          <a:p>
+            <a:pPr marL="285750" indent="-285750">
+              <a:buFontTx/>
+              <a:buChar char="-"/>
+            </a:pPr>
+            <a:r>
+              <a:rPr lang="es-MX" dirty="0"/>
+              <a:t>Información nacional de cultivos </a:t>
+            </a:r>
+          </a:p>
+          <a:p>
+            <a:pPr marL="285750" indent="-285750">
+              <a:buFontTx/>
+              <a:buChar char="-"/>
+            </a:pPr>
+            <a:r>
+              <a:rPr lang="es-MX" dirty="0"/>
+              <a:t>Predicción de cosecha </a:t>
+            </a:r>
+          </a:p>
+        </p:txBody>
+      </p:sp>
+    </p:spTree>
+    <p:extLst>
+      <p:ext uri="{BB962C8B-B14F-4D97-AF65-F5344CB8AC3E}">
+        <p14:creationId xmlns:p14="http://schemas.microsoft.com/office/powerpoint/2010/main" val="2824606369"/>
+      </p:ext>
+    </p:extLst>
+  </p:cSld>
+  <p:clrMapOvr>
+    <a:masterClrMapping/>
+  </p:clrMapOvr>
+</p:sld>
+</file>
+
+<file path=ppt/slides/slide16.xml><?xml version="1.0" encoding="utf-8"?>
+<p:sld xmlns:a="http://schemas.openxmlformats.org/drawingml/2006/main" xmlns:r="http://schemas.openxmlformats.org/officeDocument/2006/relationships" xmlns:p="http://schemas.openxmlformats.org/presentationml/2006/main">
+  <p:cSld>
+    <p:spTree>
+      <p:nvGrpSpPr>
+        <p:cNvPr id="1" name=""/>
+        <p:cNvGrpSpPr/>
+        <p:nvPr/>
+      </p:nvGrpSpPr>
+      <p:grpSpPr>
+        <a:xfrm>
+          <a:off x="0" y="0"/>
+          <a:ext cx="0" cy="0"/>
+          <a:chOff x="0" y="0"/>
+          <a:chExt cx="0" cy="0"/>
+        </a:xfrm>
+      </p:grpSpPr>
+      <p:pic>
+        <p:nvPicPr>
+          <p:cNvPr id="4" name="Imagen 3">
+            <a:extLst>
+              <a:ext uri="{FF2B5EF4-FFF2-40B4-BE49-F238E27FC236}">
+                <a16:creationId xmlns:a16="http://schemas.microsoft.com/office/drawing/2014/main" id="{B8D13875-5BB0-5D9F-2807-3AF755B8F2B7}"/>
+              </a:ext>
+            </a:extLst>
+          </p:cNvPr>
+          <p:cNvPicPr>
+            <a:picLocks noChangeAspect="1"/>
+          </p:cNvPicPr>
+          <p:nvPr/>
+        </p:nvPicPr>
+        <p:blipFill>
+          <a:blip r:embed="rId2"/>
+          <a:stretch>
+            <a:fillRect/>
+          </a:stretch>
+        </p:blipFill>
+        <p:spPr>
+          <a:xfrm>
+            <a:off x="1525105" y="1917699"/>
+            <a:ext cx="7772400" cy="3585609"/>
+          </a:xfrm>
+          <a:prstGeom prst="rect">
+            <a:avLst/>
+          </a:prstGeom>
+        </p:spPr>
+      </p:pic>
+    </p:spTree>
+    <p:extLst>
+      <p:ext uri="{BB962C8B-B14F-4D97-AF65-F5344CB8AC3E}">
+        <p14:creationId xmlns:p14="http://schemas.microsoft.com/office/powerpoint/2010/main" val="478298393"/>
+      </p:ext>
+    </p:extLst>
+  </p:cSld>
+  <p:clrMapOvr>
+    <a:masterClrMapping/>
+  </p:clrMapOvr>
+</p:sld>
+</file>
+
+<file path=ppt/slides/slide17.xml><?xml version="1.0" encoding="utf-8"?>
 <p:sld xmlns:a="http://schemas.openxmlformats.org/drawingml/2006/main" xmlns:r="http://schemas.openxmlformats.org/officeDocument/2006/relationships" xmlns:p="http://schemas.openxmlformats.org/presentationml/2006/main">
   <p:cSld>
     <p:spTree>
@@ -14061,7 +15196,7 @@
           <a:bodyPr/>
           <a:lstStyle/>
           <a:p>
-            <a:endParaRPr lang="es-MX"/>
+            <a:endParaRPr lang="es-MX" dirty="0"/>
           </a:p>
         </p:txBody>
       </p:sp>
@@ -14479,10 +15614,10 @@
               <a:buNone/>
             </a:pPr>
             <a:r>
-              <a:rPr lang="es-MX"/>
+              <a:rPr lang="es-MX" dirty="0"/>
               <a:t>Problemática</a:t>
             </a:r>
-            <a:endParaRPr/>
+            <a:endParaRPr dirty="0"/>
           </a:p>
         </p:txBody>
       </p:sp>
@@ -15320,10 +16455,10 @@
               <a:buNone/>
             </a:pPr>
             <a:r>
-              <a:rPr lang="es-MX"/>
+              <a:rPr lang="es-MX" dirty="0"/>
               <a:t>Solución</a:t>
             </a:r>
-            <a:endParaRPr/>
+            <a:endParaRPr dirty="0"/>
           </a:p>
         </p:txBody>
       </p:sp>
@@ -15820,7 +16955,7 @@
               <a:buNone/>
             </a:pPr>
             <a:r>
-              <a:rPr lang="es-MX" sz="2300">
+              <a:rPr lang="es-MX" sz="2300" dirty="0">
                 <a:latin typeface="Play"/>
                 <a:ea typeface="Play"/>
                 <a:cs typeface="Play"/>
@@ -15828,7 +16963,7 @@
               </a:rPr>
               <a:t>Las imagenes satelitales de observacion terreste existen desde 1972.</a:t>
             </a:r>
-            <a:endParaRPr sz="2300">
+            <a:endParaRPr sz="2300" dirty="0">
               <a:latin typeface="Play"/>
               <a:ea typeface="Play"/>
               <a:cs typeface="Play"/>
@@ -15850,7 +16985,7 @@
               <a:buFont typeface="Arial"/>
               <a:buNone/>
             </a:pPr>
-            <a:endParaRPr sz="2300">
+            <a:endParaRPr sz="2300" dirty="0">
               <a:latin typeface="Play"/>
               <a:ea typeface="Play"/>
               <a:cs typeface="Play"/>
@@ -15873,7 +17008,7 @@
               <a:buNone/>
             </a:pPr>
             <a:r>
-              <a:rPr lang="es-MX" sz="2300">
+              <a:rPr lang="es-MX" sz="2300" dirty="0">
                 <a:latin typeface="Play"/>
                 <a:ea typeface="Play"/>
                 <a:cs typeface="Play"/>
@@ -15881,7 +17016,7 @@
               </a:rPr>
               <a:t>Por qué ahora esta propuesta?</a:t>
             </a:r>
-            <a:endParaRPr sz="2300">
+            <a:endParaRPr sz="2300" dirty="0">
               <a:latin typeface="Play"/>
               <a:ea typeface="Play"/>
               <a:cs typeface="Play"/>
@@ -15898,7 +17033,7 @@
               </a:spcAft>
               <a:buNone/>
             </a:pPr>
-            <a:endParaRPr sz="2300">
+            <a:endParaRPr sz="2300" dirty="0">
               <a:latin typeface="Play"/>
               <a:ea typeface="Play"/>
               <a:cs typeface="Play"/>
@@ -16404,14 +17539,14 @@
               <a:buNone/>
             </a:pPr>
             <a:r>
-              <a:rPr lang="es-MX" sz="1800">
+              <a:rPr lang="es-MX" sz="1800" dirty="0">
                 <a:solidFill>
                   <a:schemeClr val="dk1"/>
                 </a:solidFill>
               </a:rPr>
               <a:t>Alrededor de 2015 se comenzaron expandir la comercializacion de imagens de proovedores privados </a:t>
             </a:r>
-            <a:endParaRPr sz="1800">
+            <a:endParaRPr sz="1800" dirty="0">
               <a:solidFill>
                 <a:schemeClr val="dk1"/>
               </a:solidFill>
@@ -16647,10 +17782,10 @@
               <a:buNone/>
             </a:pPr>
             <a:r>
-              <a:rPr lang="es-MX"/>
+              <a:rPr lang="es-MX" dirty="0"/>
               <a:t>CANVAS Referencia </a:t>
             </a:r>
-            <a:endParaRPr/>
+            <a:endParaRPr dirty="0"/>
           </a:p>
         </p:txBody>
       </p:sp>
@@ -16726,10 +17861,10 @@
               <a:buNone/>
             </a:pPr>
             <a:r>
-              <a:rPr lang="es-MX"/>
+              <a:rPr lang="es-MX" dirty="0"/>
               <a:t>Socios clave  </a:t>
             </a:r>
-            <a:endParaRPr/>
+            <a:endParaRPr dirty="0"/>
           </a:p>
         </p:txBody>
       </p:sp>
@@ -16779,10 +17914,10 @@
               <a:buChar char="•"/>
             </a:pPr>
             <a:r>
-              <a:rPr lang="es-MX"/>
+              <a:rPr lang="es-MX" dirty="0"/>
               <a:t>Proovedores de imágenes:</a:t>
             </a:r>
-            <a:endParaRPr/>
+            <a:endParaRPr dirty="0"/>
           </a:p>
           <a:p>
             <a:pPr marL="0" lvl="0" indent="0" algn="l" rtl="0">
@@ -16802,7 +17937,7 @@
               <a:buNone/>
             </a:pPr>
             <a:r>
-              <a:rPr lang="es-MX" u="sng">
+              <a:rPr lang="es-MX" u="sng" dirty="0">
                 <a:solidFill>
                   <a:schemeClr val="hlink"/>
                 </a:solidFill>
@@ -16810,7 +17945,7 @@
               </a:rPr>
               <a:t>https://www.planet.com/</a:t>
             </a:r>
-            <a:endParaRPr/>
+            <a:endParaRPr dirty="0"/>
           </a:p>
           <a:p>
             <a:pPr marL="0" lvl="0" indent="0" algn="l" rtl="0">
@@ -16830,7 +17965,7 @@
               <a:buNone/>
             </a:pPr>
             <a:r>
-              <a:rPr lang="es-MX" u="sng">
+              <a:rPr lang="es-MX" u="sng" dirty="0">
                 <a:solidFill>
                   <a:schemeClr val="hlink"/>
                 </a:solidFill>
@@ -16838,7 +17973,7 @@
               </a:rPr>
               <a:t>https://www.maxar.com/maxar-space-systems/about</a:t>
             </a:r>
-            <a:endParaRPr/>
+            <a:endParaRPr dirty="0"/>
           </a:p>
           <a:p>
             <a:pPr marL="0" lvl="0" indent="0" algn="l" rtl="0">
@@ -16858,7 +17993,7 @@
               <a:buNone/>
             </a:pPr>
             <a:r>
-              <a:rPr lang="es-MX" u="sng">
+              <a:rPr lang="es-MX" u="sng" dirty="0">
                 <a:solidFill>
                   <a:schemeClr val="hlink"/>
                 </a:solidFill>
@@ -16866,7 +18001,7 @@
               </a:rPr>
               <a:t>https://space-solutions.airbus.com/</a:t>
             </a:r>
-            <a:endParaRPr/>
+            <a:endParaRPr dirty="0"/>
           </a:p>
           <a:p>
             <a:pPr marL="0" lvl="0" indent="0" algn="l" rtl="0">
@@ -16885,7 +18020,7 @@
               <a:buSzPct val="100000"/>
               <a:buNone/>
             </a:pPr>
-            <a:endParaRPr/>
+            <a:endParaRPr dirty="0"/>
           </a:p>
           <a:p>
             <a:pPr marL="0" lvl="0" indent="0" algn="l" rtl="0">
@@ -16905,10 +18040,10 @@
               <a:buNone/>
             </a:pPr>
             <a:r>
-              <a:rPr lang="es-MX"/>
+              <a:rPr lang="es-MX" dirty="0"/>
               <a:t>Proveedor, de acuerdo al bencmkar de landinfo este es el más barato , aproximadamente 8USD por km2</a:t>
             </a:r>
-            <a:endParaRPr/>
+            <a:endParaRPr dirty="0"/>
           </a:p>
           <a:p>
             <a:pPr marL="0" lvl="0" indent="0" algn="l" rtl="0">
@@ -16928,10 +18063,10 @@
               <a:buNone/>
             </a:pPr>
             <a:r>
-              <a:rPr lang="es-MX"/>
+              <a:rPr lang="es-MX" dirty="0"/>
               <a:t>https://www.si-imaging.com/</a:t>
             </a:r>
-            <a:endParaRPr/>
+            <a:endParaRPr dirty="0"/>
           </a:p>
           <a:p>
             <a:pPr marL="0" lvl="0" indent="0" algn="l" rtl="0">
@@ -16950,7 +18085,7 @@
               <a:buSzPct val="100000"/>
               <a:buNone/>
             </a:pPr>
-            <a:endParaRPr/>
+            <a:endParaRPr dirty="0"/>
           </a:p>
           <a:p>
             <a:pPr marL="0" lvl="0" indent="0" algn="l" rtl="0">
@@ -16970,10 +18105,10 @@
               <a:buNone/>
             </a:pPr>
             <a:r>
-              <a:rPr lang="es-MX"/>
+              <a:rPr lang="es-MX" dirty="0"/>
               <a:t>Plataforma que unifica proovedores  de imagenes </a:t>
             </a:r>
-            <a:endParaRPr/>
+            <a:endParaRPr dirty="0"/>
           </a:p>
           <a:p>
             <a:pPr marL="0" lvl="0" indent="0" algn="l" rtl="0">
@@ -16993,7 +18128,7 @@
               <a:buNone/>
             </a:pPr>
             <a:r>
-              <a:rPr lang="es-MX" u="sng">
+              <a:rPr lang="es-MX" u="sng" dirty="0">
                 <a:solidFill>
                   <a:schemeClr val="hlink"/>
                 </a:solidFill>
@@ -17001,7 +18136,7 @@
               </a:rPr>
               <a:t>https://skywatch.com/</a:t>
             </a:r>
-            <a:endParaRPr/>
+            <a:endParaRPr dirty="0"/>
           </a:p>
           <a:p>
             <a:pPr marL="0" lvl="0" indent="0" algn="l" rtl="0">
@@ -17020,7 +18155,7 @@
               <a:buSzPct val="100000"/>
               <a:buNone/>
             </a:pPr>
-            <a:endParaRPr/>
+            <a:endParaRPr dirty="0"/>
           </a:p>
           <a:p>
             <a:pPr marL="0" lvl="0" indent="0" algn="l" rtl="0">
@@ -17040,10 +18175,10 @@
               <a:buNone/>
             </a:pPr>
             <a:r>
-              <a:rPr lang="es-MX"/>
+              <a:rPr lang="es-MX" dirty="0"/>
               <a:t>Portal que unifica, segun da acessos gratutio: </a:t>
             </a:r>
-            <a:endParaRPr/>
+            <a:endParaRPr dirty="0"/>
           </a:p>
           <a:p>
             <a:pPr marL="0" lvl="0" indent="0" algn="l" rtl="0">
@@ -17063,7 +18198,7 @@
               <a:buNone/>
             </a:pPr>
             <a:r>
-              <a:rPr lang="es-MX" u="sng">
+              <a:rPr lang="es-MX" u="sng" dirty="0">
                 <a:solidFill>
                   <a:schemeClr val="hlink"/>
                 </a:solidFill>
@@ -17071,7 +18206,7 @@
               </a:rPr>
               <a:t>https://landinfo.com/free-satellite-imagery-search-portal/</a:t>
             </a:r>
-            <a:endParaRPr/>
+            <a:endParaRPr dirty="0"/>
           </a:p>
           <a:p>
             <a:pPr marL="0" lvl="0" indent="0" algn="l" rtl="0">
@@ -17090,7 +18225,7 @@
               <a:buSzPct val="100000"/>
               <a:buNone/>
             </a:pPr>
-            <a:endParaRPr/>
+            <a:endParaRPr dirty="0"/>
           </a:p>
           <a:p>
             <a:pPr marL="0" lvl="0" indent="0" algn="l" rtl="0">
@@ -17109,7 +18244,7 @@
               <a:buSzPct val="100000"/>
               <a:buNone/>
             </a:pPr>
-            <a:endParaRPr/>
+            <a:endParaRPr dirty="0"/>
           </a:p>
         </p:txBody>
       </p:sp>
@@ -17185,10 +18320,10 @@
               <a:buNone/>
             </a:pPr>
             <a:r>
-              <a:rPr lang="es-MX"/>
+              <a:rPr lang="es-MX" dirty="0"/>
               <a:t>Rerencias - competidores</a:t>
             </a:r>
-            <a:endParaRPr/>
+            <a:endParaRPr dirty="0"/>
           </a:p>
         </p:txBody>
       </p:sp>
@@ -17658,10 +18793,9 @@
               <a:t>Analytics</a:t>
             </a:r>
             <a:r>
-              <a:rPr lang="es-ES" sz="2400"/>
+              <a:rPr lang="es-ES" sz="2400" dirty="0"/>
               <a:t> </a:t>
             </a:r>
-            <a:endParaRPr lang="es-ES" sz="2400" dirty="0"/>
           </a:p>
           <a:p>
             <a:pPr marL="0" lvl="0" indent="0" algn="l" rtl="0">
